--- a/ppt/gerde.pptx
+++ b/ppt/gerde.pptx
@@ -13,37 +13,38 @@
     <p:sldId id="262" r:id="rId7"/>
     <p:sldId id="260" r:id="rId8"/>
     <p:sldId id="270" r:id="rId9"/>
-    <p:sldId id="264" r:id="rId10"/>
-    <p:sldId id="265" r:id="rId11"/>
-    <p:sldId id="267" r:id="rId12"/>
-    <p:sldId id="266" r:id="rId13"/>
-    <p:sldId id="268" r:id="rId14"/>
-    <p:sldId id="269" r:id="rId15"/>
-    <p:sldId id="271" r:id="rId16"/>
-    <p:sldId id="272" r:id="rId17"/>
+    <p:sldId id="273" r:id="rId10"/>
+    <p:sldId id="264" r:id="rId11"/>
+    <p:sldId id="265" r:id="rId12"/>
+    <p:sldId id="267" r:id="rId13"/>
+    <p:sldId id="266" r:id="rId14"/>
+    <p:sldId id="268" r:id="rId15"/>
+    <p:sldId id="269" r:id="rId16"/>
+    <p:sldId id="271" r:id="rId17"/>
+    <p:sldId id="272" r:id="rId18"/>
   </p:sldIdLst>
   <p:sldSz cx="9144000" cy="6858000" type="screen4x3"/>
   <p:notesSz cx="6858000" cy="9144000"/>
   <p:embeddedFontLst>
     <p:embeddedFont>
-      <p:font typeface="Gill Sans MT" panose="020B0502020104020203" pitchFamily="34" charset="0"/>
-      <p:regular r:id="rId18"/>
-      <p:bold r:id="rId19"/>
-      <p:italic r:id="rId20"/>
-      <p:boldItalic r:id="rId21"/>
+      <p:font typeface="Gill Sans MT" pitchFamily="34" charset="0"/>
+      <p:regular r:id="rId19"/>
+      <p:bold r:id="rId20"/>
+      <p:italic r:id="rId21"/>
+      <p:boldItalic r:id="rId22"/>
     </p:embeddedFont>
     <p:embeddedFont>
-      <p:font typeface="华文中宋" panose="02010600040101010101" pitchFamily="2" charset="-122"/>
-      <p:regular r:id="rId22"/>
-    </p:embeddedFont>
-    <p:embeddedFont>
-      <p:font typeface="Wingdings 3" panose="05040102010807070707" pitchFamily="18" charset="2"/>
+      <p:font typeface="华文中宋" pitchFamily="2" charset="-122"/>
       <p:regular r:id="rId23"/>
     </p:embeddedFont>
     <p:embeddedFont>
-      <p:font typeface="微软雅黑" panose="020B0503020204020204" pitchFamily="34" charset="-122"/>
+      <p:font typeface="微软雅黑" pitchFamily="34" charset="-122"/>
       <p:regular r:id="rId24"/>
       <p:bold r:id="rId25"/>
+    </p:embeddedFont>
+    <p:embeddedFont>
+      <p:font typeface="Wingdings 3" pitchFamily="18" charset="2"/>
+      <p:regular r:id="rId26"/>
     </p:embeddedFont>
   </p:embeddedFontLst>
   <p:defaultTextStyle>
@@ -143,7 +144,7 @@
   </p:defaultTextStyle>
   <p:extLst>
     <p:ext uri="{521415D9-36F7-43E2-AB2F-B90AF26B5E84}">
-      <p14:sectionLst xmlns:p14="http://schemas.microsoft.com/office/powerpoint/2010/main">
+      <p14:sectionLst xmlns:p14="http://schemas.microsoft.com/office/powerpoint/2010/main" xmlns="">
         <p14:section name="Cover" id="{EBF72E98-65C1-4543-AA9E-D4B8FC528293}">
           <p14:sldIdLst>
             <p14:sldId id="256"/>
@@ -171,7 +172,7 @@
       </p14:sectionLst>
     </p:ext>
     <p:ext uri="{EFAFB233-063F-42B5-8137-9DF3F51BA10A}">
-      <p15:sldGuideLst xmlns:p15="http://schemas.microsoft.com/office/powerpoint/2012/main">
+      <p15:sldGuideLst xmlns:p15="http://schemas.microsoft.com/office/powerpoint/2012/main" xmlns="">
         <p15:guide id="1" orient="horz" pos="2160">
           <p15:clr>
             <a:srgbClr val="A4A3A4"/>
@@ -1727,7 +1728,7 @@
             <a:fld id="{9EB5ECD5-515E-4817-8A06-1D2ED2C83850}" type="datetime4">
               <a:rPr lang="en-US" smtClean="0"/>
               <a:pPr/>
-              <a:t>April 23, 2014</a:t>
+              <a:t>April 30, 2014</a:t>
             </a:fld>
             <a:endParaRPr lang="en-US"/>
           </a:p>
@@ -2834,7 +2835,7 @@
             <a:fld id="{BA5B59F4-DDCB-41FF-83F5-A48440F36FA7}" type="datetime4">
               <a:rPr lang="en-US" smtClean="0"/>
               <a:pPr/>
-              <a:t>April 23, 2014</a:t>
+              <a:t>April 30, 2014</a:t>
             </a:fld>
             <a:endParaRPr lang="en-US"/>
           </a:p>
@@ -3949,7 +3950,7 @@
             <a:fld id="{48056348-D703-428C-A1C4-7D6796EF5F41}" type="datetime4">
               <a:rPr lang="en-US" smtClean="0"/>
               <a:pPr/>
-              <a:t>April 23, 2014</a:t>
+              <a:t>April 30, 2014</a:t>
             </a:fld>
             <a:endParaRPr lang="en-US"/>
           </a:p>
@@ -5059,7 +5060,7 @@
             <a:fld id="{732D1919-1B5F-4141-B613-3E5C6008A186}" type="datetime4">
               <a:rPr lang="en-US" smtClean="0"/>
               <a:pPr/>
-              <a:t>April 23, 2014</a:t>
+              <a:t>April 30, 2014</a:t>
             </a:fld>
             <a:endParaRPr lang="en-US"/>
           </a:p>
@@ -6654,7 +6655,7 @@
             <a:fld id="{BAD22427-B1DD-49E6-9F05-DE0F1467D7DC}" type="datetime4">
               <a:rPr lang="en-US" smtClean="0"/>
               <a:pPr/>
-              <a:t>April 23, 2014</a:t>
+              <a:t>April 30, 2014</a:t>
             </a:fld>
             <a:endParaRPr lang="en-US"/>
           </a:p>
@@ -7714,7 +7715,7 @@
             <a:fld id="{BBCCA7B5-8BC9-491C-A887-7C3E7ED947D8}" type="datetime4">
               <a:rPr lang="en-US" smtClean="0"/>
               <a:pPr/>
-              <a:t>April 23, 2014</a:t>
+              <a:t>April 30, 2014</a:t>
             </a:fld>
             <a:endParaRPr lang="en-US"/>
           </a:p>
@@ -9043,7 +9044,7 @@
             <a:fld id="{BDA18ED0-40F2-434C-A848-B92581875164}" type="datetime4">
               <a:rPr lang="en-US" smtClean="0"/>
               <a:pPr/>
-              <a:t>April 23, 2014</a:t>
+              <a:t>April 30, 2014</a:t>
             </a:fld>
             <a:endParaRPr lang="en-US"/>
           </a:p>
@@ -10182,7 +10183,7 @@
             <a:fld id="{7855437F-F4F9-44A9-B4D3-9191CA04E889}" type="datetime4">
               <a:rPr lang="en-US" smtClean="0"/>
               <a:pPr/>
-              <a:t>April 23, 2014</a:t>
+              <a:t>April 30, 2014</a:t>
             </a:fld>
             <a:endParaRPr lang="en-US"/>
           </a:p>
@@ -11240,7 +11241,7 @@
             <a:fld id="{39A24E59-01D0-4537-B876-7E5EC75B028D}" type="datetime4">
               <a:rPr lang="en-US" smtClean="0"/>
               <a:pPr/>
-              <a:t>April 23, 2014</a:t>
+              <a:t>April 30, 2014</a:t>
             </a:fld>
             <a:endParaRPr lang="en-US"/>
           </a:p>
@@ -12280,7 +12281,7 @@
             <a:fld id="{655A2E49-18A1-40BC-BA5D-5A2EC8FDDF15}" type="datetime4">
               <a:rPr lang="en-US" smtClean="0"/>
               <a:pPr/>
-              <a:t>April 23, 2014</a:t>
+              <a:t>April 30, 2014</a:t>
             </a:fld>
             <a:endParaRPr lang="en-US"/>
           </a:p>
@@ -13517,7 +13518,7 @@
             <a:fld id="{52983DA4-3B24-449B-95CA-514EB7E30A99}" type="datetime4">
               <a:rPr lang="en-US" smtClean="0"/>
               <a:pPr/>
-              <a:t>April 23, 2014</a:t>
+              <a:t>April 30, 2014</a:t>
             </a:fld>
             <a:endParaRPr lang="en-US"/>
           </a:p>
@@ -13872,7 +13873,7 @@
             <a:fld id="{942120D2-3948-4F8F-BE5D-E7E7D97880B2}" type="datetime4">
               <a:rPr lang="en-US" smtClean="0"/>
               <a:pPr/>
-              <a:t>April 23, 2014</a:t>
+              <a:t>April 30, 2014</a:t>
             </a:fld>
             <a:endParaRPr lang="en-US" dirty="0" err="1"/>
           </a:p>
@@ -14434,7 +14435,7 @@
     </p:spTree>
     <p:extLst>
       <p:ext uri="{BB962C8B-B14F-4D97-AF65-F5344CB8AC3E}">
-        <p14:creationId xmlns:p14="http://schemas.microsoft.com/office/powerpoint/2010/main" val="3860108687"/>
+        <p14:creationId xmlns:p14="http://schemas.microsoft.com/office/powerpoint/2010/main" xmlns="" val="3860108687"/>
       </p:ext>
     </p:extLst>
   </p:cSld>
@@ -14476,8 +14477,8 @@
         </p:nvSpPr>
         <p:spPr>
           <a:xfrm>
-            <a:off x="4458304" y="1739955"/>
-            <a:ext cx="3756522" cy="369332"/>
+            <a:off x="3883143" y="1039102"/>
+            <a:ext cx="5021809" cy="369332"/>
           </a:xfrm>
           <a:prstGeom prst="rect">
             <a:avLst/>
@@ -14492,14 +14493,14 @@
           <a:p>
             <a:r>
               <a:rPr lang="zh-CN" altLang="zh-CN" dirty="0" smtClean="0">
-                <a:latin typeface="Adobe 黑体 Std R" panose="020B0400000000000000" pitchFamily="34" charset="-122"/>
-                <a:ea typeface="Adobe 黑体 Std R" panose="020B0400000000000000" pitchFamily="34" charset="-122"/>
+                <a:latin typeface="微软雅黑" panose="020B0503020204020204" pitchFamily="34" charset="-122"/>
+                <a:ea typeface="微软雅黑" panose="020B0503020204020204" pitchFamily="34" charset="-122"/>
               </a:rPr>
-              <a:t>德国博朗公司“产品设计的手法”</a:t>
+              <a:t>中国设计的“整体观”与德国设计的“以小见大”</a:t>
             </a:r>
             <a:endParaRPr lang="zh-CN" altLang="zh-CN" dirty="0">
-              <a:latin typeface="Adobe 黑体 Std R" panose="020B0400000000000000" pitchFamily="34" charset="-122"/>
-              <a:ea typeface="Adobe 黑体 Std R" panose="020B0400000000000000" pitchFamily="34" charset="-122"/>
+              <a:latin typeface="微软雅黑" panose="020B0503020204020204" pitchFamily="34" charset="-122"/>
+              <a:ea typeface="微软雅黑" panose="020B0503020204020204" pitchFamily="34" charset="-122"/>
             </a:endParaRPr>
           </a:p>
         </p:txBody>
@@ -14512,8 +14513,8 @@
         </p:nvSpPr>
         <p:spPr>
           <a:xfrm>
-            <a:off x="4458304" y="2347698"/>
-            <a:ext cx="4219885" cy="2185214"/>
+            <a:off x="2536723" y="1560202"/>
+            <a:ext cx="6373149" cy="3754874"/>
           </a:xfrm>
           <a:prstGeom prst="rect">
             <a:avLst/>
@@ -14528,60 +14529,75 @@
           <a:p>
             <a:r>
               <a:rPr lang="zh-CN" altLang="zh-CN" sz="1700" dirty="0" smtClean="0">
+                <a:solidFill>
+                  <a:srgbClr val="FF0000"/>
+                </a:solidFill>
                 <a:latin typeface="微软雅黑" panose="020B0503020204020204" pitchFamily="34" charset="-122"/>
                 <a:ea typeface="微软雅黑" panose="020B0503020204020204" pitchFamily="34" charset="-122"/>
               </a:rPr>
-              <a:t>1.突出特征法 </a:t>
-            </a:r>
-          </a:p>
-          <a:p>
+              <a:t>以小见大</a:t>
+            </a:r>
             <a:r>
               <a:rPr lang="zh-CN" altLang="zh-CN" sz="1700" dirty="0" smtClean="0">
                 <a:latin typeface="微软雅黑" panose="020B0503020204020204" pitchFamily="34" charset="-122"/>
                 <a:ea typeface="微软雅黑" panose="020B0503020204020204" pitchFamily="34" charset="-122"/>
               </a:rPr>
-              <a:t>运用各种方式抓住和强调产品或主题本身与众不同的特征，并把它鲜明地表现出来，将这些特征置于产品的主要视觉部位或加以烘托处理，使观众在接触言辞画面的瞬间即很快感受到，对其产生注意和发生视觉兴趣，达到刺激购买欲望的促销目的。 </a:t>
-            </a:r>
-          </a:p>
-          <a:p>
+              <a:t>：对比拉姆斯的“少却更好”和密斯凡德罗的“少即是多”。前者更加重视细节的设计哲学，透过产品来展示简约设计的魅力，其目的是式设计尽可能的少的干扰到产品的使用过程，使使用更高效、自然、流畅，凸显美的功能价值。小并非无，而是将简约的设计形式集中表达在产品的功能部位，通过几何造型，在外观上取舍，运用现代工业技术和材料，展现产品的精密度；而后者是求风格上的绝对单纯，以此为目的的设计甚至会缺乏考虑功能要素。</a:t>
+            </a:r>
+            <a:endParaRPr lang="en-US" altLang="zh-CN" sz="1700" dirty="0" smtClean="0">
+              <a:latin typeface="微软雅黑" panose="020B0503020204020204" pitchFamily="34" charset="-122"/>
+              <a:ea typeface="微软雅黑" panose="020B0503020204020204" pitchFamily="34" charset="-122"/>
+            </a:endParaRPr>
+          </a:p>
+          <a:p>
+            <a:endParaRPr lang="zh-CN" altLang="zh-CN" sz="1700" dirty="0" smtClean="0">
+              <a:latin typeface="微软雅黑" panose="020B0503020204020204" pitchFamily="34" charset="-122"/>
+              <a:ea typeface="微软雅黑" panose="020B0503020204020204" pitchFamily="34" charset="-122"/>
+            </a:endParaRPr>
+          </a:p>
+          <a:p>
+            <a:r>
+              <a:rPr lang="zh-CN" altLang="zh-CN" sz="1700" dirty="0" smtClean="0">
+                <a:solidFill>
+                  <a:srgbClr val="FF0000"/>
+                </a:solidFill>
+                <a:latin typeface="微软雅黑" panose="020B0503020204020204" pitchFamily="34" charset="-122"/>
+                <a:ea typeface="微软雅黑" panose="020B0503020204020204" pitchFamily="34" charset="-122"/>
+              </a:rPr>
+              <a:t>整体观</a:t>
+            </a:r>
             <a:r>
               <a:rPr lang="zh-CN" altLang="zh-CN" sz="1700" dirty="0" smtClean="0">
                 <a:latin typeface="微软雅黑" panose="020B0503020204020204" pitchFamily="34" charset="-122"/>
                 <a:ea typeface="微软雅黑" panose="020B0503020204020204" pitchFamily="34" charset="-122"/>
               </a:rPr>
-              <a:t> </a:t>
-            </a:r>
+              <a:t>：上节课我们归纳了中国古代设计哲学之整体观的思想,它集中表现为“天人合一”、“天人和谐”等。讲究从整体入手，而对细节不慎追求，忽视了细节在设计中的重要</a:t>
+            </a:r>
+            <a:r>
+              <a:rPr lang="zh-CN" altLang="en-US" sz="1700" dirty="0" smtClean="0">
+                <a:latin typeface="微软雅黑" panose="020B0503020204020204" pitchFamily="34" charset="-122"/>
+                <a:ea typeface="微软雅黑" panose="020B0503020204020204" pitchFamily="34" charset="-122"/>
+              </a:rPr>
+              <a:t>作用</a:t>
+            </a:r>
+            <a:r>
+              <a:rPr lang="zh-CN" altLang="zh-CN" sz="1700" dirty="0" smtClean="0">
+                <a:latin typeface="微软雅黑" panose="020B0503020204020204" pitchFamily="34" charset="-122"/>
+                <a:ea typeface="微软雅黑" panose="020B0503020204020204" pitchFamily="34" charset="-122"/>
+              </a:rPr>
+              <a:t>。这种有机整体观的指导,中国古代艺术家、工匠们创造了辉煌的艺术与设计。这种思想指导中国古代家具设计、建筑设计、园林设计等等。</a:t>
+            </a:r>
+            <a:endParaRPr lang="zh-CN" altLang="zh-CN" sz="1700" dirty="0">
+              <a:latin typeface="微软雅黑" panose="020B0503020204020204" pitchFamily="34" charset="-122"/>
+              <a:ea typeface="微软雅黑" panose="020B0503020204020204" pitchFamily="34" charset="-122"/>
+            </a:endParaRPr>
           </a:p>
         </p:txBody>
       </p:sp>
-      <p:pic>
-        <p:nvPicPr>
-          <p:cNvPr id="5" name="图片 4" descr="20130112173039_57380.jpg"/>
-          <p:cNvPicPr>
-            <a:picLocks noChangeAspect="1"/>
-          </p:cNvPicPr>
-          <p:nvPr/>
-        </p:nvPicPr>
-        <p:blipFill>
-          <a:blip r:embed="rId2" cstate="print"/>
-          <a:stretch>
-            <a:fillRect/>
-          </a:stretch>
-        </p:blipFill>
-        <p:spPr>
-          <a:xfrm>
-            <a:off x="1250187" y="1739955"/>
-            <a:ext cx="2485871" cy="2485871"/>
-          </a:xfrm>
-          <a:prstGeom prst="rect">
-            <a:avLst/>
-          </a:prstGeom>
-        </p:spPr>
-      </p:pic>
     </p:spTree>
     <p:extLst>
       <p:ext uri="{BB962C8B-B14F-4D97-AF65-F5344CB8AC3E}">
-        <p14:creationId xmlns:p14="http://schemas.microsoft.com/office/powerpoint/2010/main" val="143603595"/>
+        <p14:creationId xmlns:p14="http://schemas.microsoft.com/office/powerpoint/2010/main" xmlns="" val="143603595"/>
       </p:ext>
     </p:extLst>
   </p:cSld>
@@ -14617,14 +14633,14 @@
       </p:grpSpPr>
       <p:sp>
         <p:nvSpPr>
-          <p:cNvPr id="4" name="文本框 5"/>
+          <p:cNvPr id="6" name="文本框 5"/>
           <p:cNvSpPr txBox="1"/>
           <p:nvPr/>
         </p:nvSpPr>
         <p:spPr>
           <a:xfrm>
-            <a:off x="4513006" y="1801741"/>
-            <a:ext cx="4396866" cy="2739211"/>
+            <a:off x="4458304" y="1739955"/>
+            <a:ext cx="3756522" cy="369332"/>
           </a:xfrm>
           <a:prstGeom prst="rect">
             <a:avLst/>
@@ -14639,24 +14655,60 @@
           <a:p>
             <a:r>
               <a:rPr lang="zh-CN" altLang="zh-CN" dirty="0" smtClean="0">
-                <a:latin typeface="微软雅黑" panose="020B0503020204020204" pitchFamily="34" charset="-122"/>
-                <a:ea typeface="微软雅黑" panose="020B0503020204020204" pitchFamily="34" charset="-122"/>
+                <a:latin typeface="Adobe 黑体 Std R" panose="020B0400000000000000" pitchFamily="34" charset="-122"/>
+                <a:ea typeface="Adobe 黑体 Std R" panose="020B0400000000000000" pitchFamily="34" charset="-122"/>
               </a:rPr>
-              <a:t>2.对比衬托法 </a:t>
-            </a:r>
-          </a:p>
+              <a:t>德国博朗公司“产品设计的手法”</a:t>
+            </a:r>
+            <a:endParaRPr lang="zh-CN" altLang="zh-CN" dirty="0">
+              <a:latin typeface="Adobe 黑体 Std R" panose="020B0400000000000000" pitchFamily="34" charset="-122"/>
+              <a:ea typeface="Adobe 黑体 Std R" panose="020B0400000000000000" pitchFamily="34" charset="-122"/>
+            </a:endParaRPr>
+          </a:p>
+        </p:txBody>
+      </p:sp>
+      <p:sp>
+        <p:nvSpPr>
+          <p:cNvPr id="4" name="文本框 5"/>
+          <p:cNvSpPr txBox="1"/>
+          <p:nvPr/>
+        </p:nvSpPr>
+        <p:spPr>
+          <a:xfrm>
+            <a:off x="4458304" y="2347698"/>
+            <a:ext cx="4219885" cy="2185214"/>
+          </a:xfrm>
+          <a:prstGeom prst="rect">
+            <a:avLst/>
+          </a:prstGeom>
+          <a:noFill/>
+        </p:spPr>
+        <p:txBody>
+          <a:bodyPr wrap="square" rtlCol="0">
+            <a:spAutoFit/>
+          </a:bodyPr>
+          <a:lstStyle/>
           <a:p>
             <a:r>
               <a:rPr lang="zh-CN" altLang="zh-CN" sz="1700" dirty="0" smtClean="0">
                 <a:latin typeface="微软雅黑" panose="020B0503020204020204" pitchFamily="34" charset="-122"/>
                 <a:ea typeface="微软雅黑" panose="020B0503020204020204" pitchFamily="34" charset="-122"/>
               </a:rPr>
-              <a:t>对比是一种趋向于对立冲突的艺术美中最突出的表现手法。它把产品的性质和特点放在鲜明的对照和直接对比中来表现，借彼显此，互比互衬，从对比所呈现的差别中，达到集中、简洁、曲折变化的表现。可以是材质的对比，造型线条上的对比等等。通过这种手法更鲜明地强调或提示产品的性能和特点，给消费者以深刻的视觉感受。</a:t>
-            </a:r>
-          </a:p>
-          <a:p>
-            <a:r>
-              <a:rPr lang="zh-CN" altLang="zh-CN" dirty="0" smtClean="0">
+              <a:t>1.突出特征法 </a:t>
+            </a:r>
+          </a:p>
+          <a:p>
+            <a:r>
+              <a:rPr lang="zh-CN" altLang="zh-CN" sz="1700" dirty="0" smtClean="0">
+                <a:latin typeface="微软雅黑" panose="020B0503020204020204" pitchFamily="34" charset="-122"/>
+                <a:ea typeface="微软雅黑" panose="020B0503020204020204" pitchFamily="34" charset="-122"/>
+              </a:rPr>
+              <a:t>运用各种方式抓住和强调产品或主题本身与众不同的特征，并把它鲜明地表现出来，将这些特征置于产品的主要视觉部位或加以烘托处理，使观众在接触言辞画面的瞬间即很快感受到，对其产生注意和发生视觉兴趣，达到刺激购买欲望的促销目的。 </a:t>
+            </a:r>
+          </a:p>
+          <a:p>
+            <a:r>
+              <a:rPr lang="zh-CN" altLang="zh-CN" sz="1700" dirty="0" smtClean="0">
                 <a:latin typeface="微软雅黑" panose="020B0503020204020204" pitchFamily="34" charset="-122"/>
                 <a:ea typeface="微软雅黑" panose="020B0503020204020204" pitchFamily="34" charset="-122"/>
               </a:rPr>
@@ -14667,7 +14719,7 @@
       </p:sp>
       <p:pic>
         <p:nvPicPr>
-          <p:cNvPr id="7" name="图片 6" descr="BoLang ShouTiShiDuoGongNengShiWuDiaoLiJi MR740.jpg"/>
+          <p:cNvPr id="5" name="图片 4" descr="20130112173039_57380.jpg"/>
           <p:cNvPicPr>
             <a:picLocks noChangeAspect="1"/>
           </p:cNvPicPr>
@@ -14681,8 +14733,8 @@
         </p:blipFill>
         <p:spPr>
           <a:xfrm>
-            <a:off x="507999" y="1891163"/>
-            <a:ext cx="3724787" cy="2327992"/>
+            <a:off x="1250187" y="1739955"/>
+            <a:ext cx="2485871" cy="2485871"/>
           </a:xfrm>
           <a:prstGeom prst="rect">
             <a:avLst/>
@@ -14692,7 +14744,7 @@
     </p:spTree>
     <p:extLst>
       <p:ext uri="{BB962C8B-B14F-4D97-AF65-F5344CB8AC3E}">
-        <p14:creationId xmlns:p14="http://schemas.microsoft.com/office/powerpoint/2010/main" val="143603595"/>
+        <p14:creationId xmlns:p14="http://schemas.microsoft.com/office/powerpoint/2010/main" xmlns="" val="143603595"/>
       </p:ext>
     </p:extLst>
   </p:cSld>
@@ -14734,8 +14786,8 @@
         </p:nvSpPr>
         <p:spPr>
           <a:xfrm>
-            <a:off x="4586748" y="1965710"/>
-            <a:ext cx="4323124" cy="3293209"/>
+            <a:off x="4513006" y="1801741"/>
+            <a:ext cx="4396866" cy="2739211"/>
           </a:xfrm>
           <a:prstGeom prst="rect">
             <a:avLst/>
@@ -14753,18 +14805,8 @@
                 <a:latin typeface="微软雅黑" panose="020B0503020204020204" pitchFamily="34" charset="-122"/>
                 <a:ea typeface="微软雅黑" panose="020B0503020204020204" pitchFamily="34" charset="-122"/>
               </a:rPr>
-              <a:t>3.合理夸张法 </a:t>
-            </a:r>
-            <a:endParaRPr lang="en-US" altLang="zh-CN" dirty="0" smtClean="0">
-              <a:latin typeface="微软雅黑" panose="020B0503020204020204" pitchFamily="34" charset="-122"/>
-              <a:ea typeface="微软雅黑" panose="020B0503020204020204" pitchFamily="34" charset="-122"/>
-            </a:endParaRPr>
-          </a:p>
-          <a:p>
-            <a:endParaRPr lang="zh-CN" altLang="zh-CN" dirty="0" smtClean="0">
-              <a:latin typeface="微软雅黑" panose="020B0503020204020204" pitchFamily="34" charset="-122"/>
-              <a:ea typeface="微软雅黑" panose="020B0503020204020204" pitchFamily="34" charset="-122"/>
-            </a:endParaRPr>
+              <a:t>2.对比衬托法 </a:t>
+            </a:r>
           </a:p>
           <a:p>
             <a:r>
@@ -14772,7 +14814,7 @@
                 <a:latin typeface="微软雅黑" panose="020B0503020204020204" pitchFamily="34" charset="-122"/>
                 <a:ea typeface="微软雅黑" panose="020B0503020204020204" pitchFamily="34" charset="-122"/>
               </a:rPr>
-              <a:t>借助想象，对产品的品质或特性的某个方面进行相当明显的过份夸大，以加深或扩大这些特征的认识。文学家高尔基指出：“夸张是创作的基本原则。”通过这种手法能更鲜明地强调或揭示事物的实质，加强产品的艺术效果。夸张是一般中求新奇变化，通过虚构把对象的特点和个性中美的方面进行夸大,赋予人们一种新奇与变化的情趣。 </a:t>
+              <a:t>对比是一种趋向于对立冲突的艺术美中最突出的表现手法。它把产品的性质和特点放在鲜明的对照和直接对比中来表现，借彼显此，互比互衬，从对比所呈现的差别中，达到集中、简洁、曲折变化的表现。可以是材质的对比，造型线条上的对比等等。通过这种手法更鲜明地强调或提示产品的性能和特点，给消费者以深刻的视觉感受。</a:t>
             </a:r>
           </a:p>
           <a:p>
@@ -14784,20 +14826,11 @@
               <a:t> </a:t>
             </a:r>
           </a:p>
-          <a:p>
-            <a:r>
-              <a:rPr lang="zh-CN" altLang="zh-CN" dirty="0" smtClean="0">
-                <a:latin typeface="微软雅黑" panose="020B0503020204020204" pitchFamily="34" charset="-122"/>
-                <a:ea typeface="微软雅黑" panose="020B0503020204020204" pitchFamily="34" charset="-122"/>
-              </a:rPr>
-              <a:t> </a:t>
-            </a:r>
-          </a:p>
         </p:txBody>
       </p:sp>
       <p:pic>
         <p:nvPicPr>
-          <p:cNvPr id="5" name="图片 4" descr="BoLangMR5550 MFP ShiWuDiaoLiJi.jpg"/>
+          <p:cNvPr id="7" name="图片 6" descr="BoLang ShouTiShiDuoGongNengShiWuDiaoLiJi MR740.jpg"/>
           <p:cNvPicPr>
             <a:picLocks noChangeAspect="1"/>
           </p:cNvPicPr>
@@ -14811,8 +14844,8 @@
         </p:blipFill>
         <p:spPr>
           <a:xfrm>
-            <a:off x="257834" y="2033887"/>
-            <a:ext cx="4088587" cy="2555366"/>
+            <a:off x="507999" y="1891163"/>
+            <a:ext cx="3724787" cy="2327992"/>
           </a:xfrm>
           <a:prstGeom prst="rect">
             <a:avLst/>
@@ -14822,7 +14855,7 @@
     </p:spTree>
     <p:extLst>
       <p:ext uri="{BB962C8B-B14F-4D97-AF65-F5344CB8AC3E}">
-        <p14:creationId xmlns:p14="http://schemas.microsoft.com/office/powerpoint/2010/main" val="143603595"/>
+        <p14:creationId xmlns:p14="http://schemas.microsoft.com/office/powerpoint/2010/main" xmlns="" val="143603595"/>
       </p:ext>
     </p:extLst>
   </p:cSld>
@@ -14864,8 +14897,8 @@
         </p:nvSpPr>
         <p:spPr>
           <a:xfrm>
-            <a:off x="3613355" y="1710123"/>
-            <a:ext cx="5296517" cy="3816429"/>
+            <a:off x="4586748" y="1965710"/>
+            <a:ext cx="4323124" cy="3293209"/>
           </a:xfrm>
           <a:prstGeom prst="rect">
             <a:avLst/>
@@ -14883,16 +14916,7 @@
                 <a:latin typeface="微软雅黑" panose="020B0503020204020204" pitchFamily="34" charset="-122"/>
                 <a:ea typeface="微软雅黑" panose="020B0503020204020204" pitchFamily="34" charset="-122"/>
               </a:rPr>
-              <a:t> </a:t>
-            </a:r>
-          </a:p>
-          <a:p>
-            <a:r>
-              <a:rPr lang="zh-CN" altLang="zh-CN" dirty="0" smtClean="0">
-                <a:latin typeface="微软雅黑" panose="020B0503020204020204" pitchFamily="34" charset="-122"/>
-                <a:ea typeface="微软雅黑" panose="020B0503020204020204" pitchFamily="34" charset="-122"/>
-              </a:rPr>
-              <a:t>4.以小见大 </a:t>
+              <a:t>3.合理夸张法 </a:t>
             </a:r>
             <a:endParaRPr lang="en-US" altLang="zh-CN" dirty="0" smtClean="0">
               <a:latin typeface="微软雅黑" panose="020B0503020204020204" pitchFamily="34" charset="-122"/>
@@ -14911,7 +14935,7 @@
                 <a:latin typeface="微软雅黑" panose="020B0503020204020204" pitchFamily="34" charset="-122"/>
                 <a:ea typeface="微软雅黑" panose="020B0503020204020204" pitchFamily="34" charset="-122"/>
               </a:rPr>
-              <a:t>在设计中对产品进行强调、取舍、浓缩，以独到的想象抓住一点或一个局部加以集中设计或延伸放大，以更充分地表达主题思想。这种处理以一点观全面，以小见大，从不全到全的表现手法，给设计者带来了很大的灵活性和无限的表现力，同时为接受者提供了广阔的想象空间，获得生动的情趣和丰富的联想。以小见大中的“小”，是产品的焦点和视觉兴趣中心，它既是设计创意的浓缩和生发，也是设计者匠心独具的安排，因面它已不是一般意义的“小”，而是小中寓大，以小胜大的高度提炼的产物，是简洁的刻意追求。 </a:t>
+              <a:t>借助想象，对产品的品质或特性的某个方面进行相当明显的过份夸大，以加深或扩大这些特征的认识。文学家高尔基指出：“夸张是创作的基本原则。”通过这种手法能更鲜明地强调或揭示事物的实质，加强产品的艺术效果。夸张是一般中求新奇变化，通过虚构把对象的特点和个性中美的方面进行夸大,赋予人们一种新奇与变化的情趣。 </a:t>
             </a:r>
           </a:p>
           <a:p>
@@ -14923,11 +14947,20 @@
               <a:t> </a:t>
             </a:r>
           </a:p>
+          <a:p>
+            <a:r>
+              <a:rPr lang="zh-CN" altLang="zh-CN" dirty="0" smtClean="0">
+                <a:latin typeface="微软雅黑" panose="020B0503020204020204" pitchFamily="34" charset="-122"/>
+                <a:ea typeface="微软雅黑" panose="020B0503020204020204" pitchFamily="34" charset="-122"/>
+              </a:rPr>
+              <a:t> </a:t>
+            </a:r>
+          </a:p>
         </p:txBody>
       </p:sp>
       <p:pic>
         <p:nvPicPr>
-          <p:cNvPr id="6" name="图片 5" descr="2014416101754781.jpg"/>
+          <p:cNvPr id="5" name="图片 4" descr="BoLangMR5550 MFP ShiWuDiaoLiJi.jpg"/>
           <p:cNvPicPr>
             <a:picLocks noChangeAspect="1"/>
           </p:cNvPicPr>
@@ -14941,8 +14974,8 @@
         </p:blipFill>
         <p:spPr>
           <a:xfrm>
-            <a:off x="457198" y="2119112"/>
-            <a:ext cx="2875935" cy="2998452"/>
+            <a:off x="257834" y="2033887"/>
+            <a:ext cx="4088587" cy="2555366"/>
           </a:xfrm>
           <a:prstGeom prst="rect">
             <a:avLst/>
@@ -14952,7 +14985,7 @@
     </p:spTree>
     <p:extLst>
       <p:ext uri="{BB962C8B-B14F-4D97-AF65-F5344CB8AC3E}">
-        <p14:creationId xmlns:p14="http://schemas.microsoft.com/office/powerpoint/2010/main" val="143603595"/>
+        <p14:creationId xmlns:p14="http://schemas.microsoft.com/office/powerpoint/2010/main" xmlns="" val="143603595"/>
       </p:ext>
     </p:extLst>
   </p:cSld>
@@ -14994,8 +15027,8 @@
         </p:nvSpPr>
         <p:spPr>
           <a:xfrm>
-            <a:off x="5471651" y="1701244"/>
-            <a:ext cx="2698955" cy="3693319"/>
+            <a:off x="3613355" y="1710123"/>
+            <a:ext cx="5296517" cy="3816429"/>
           </a:xfrm>
           <a:prstGeom prst="rect">
             <a:avLst/>
@@ -15013,7 +15046,16 @@
                 <a:latin typeface="微软雅黑" panose="020B0503020204020204" pitchFamily="34" charset="-122"/>
                 <a:ea typeface="微软雅黑" panose="020B0503020204020204" pitchFamily="34" charset="-122"/>
               </a:rPr>
-              <a:t>十项原则 </a:t>
+              <a:t> </a:t>
+            </a:r>
+          </a:p>
+          <a:p>
+            <a:r>
+              <a:rPr lang="zh-CN" altLang="zh-CN" dirty="0" smtClean="0">
+                <a:latin typeface="微软雅黑" panose="020B0503020204020204" pitchFamily="34" charset="-122"/>
+                <a:ea typeface="微软雅黑" panose="020B0503020204020204" pitchFamily="34" charset="-122"/>
+              </a:rPr>
+              <a:t>4.以小见大 </a:t>
             </a:r>
             <a:endParaRPr lang="en-US" altLang="zh-CN" dirty="0" smtClean="0">
               <a:latin typeface="微软雅黑" panose="020B0503020204020204" pitchFamily="34" charset="-122"/>
@@ -15028,92 +15070,11 @@
           </a:p>
           <a:p>
             <a:r>
-              <a:rPr lang="zh-CN" altLang="zh-CN" dirty="0" smtClean="0">
+              <a:rPr lang="zh-CN" altLang="zh-CN" sz="1700" dirty="0" smtClean="0">
                 <a:latin typeface="微软雅黑" panose="020B0503020204020204" pitchFamily="34" charset="-122"/>
                 <a:ea typeface="微软雅黑" panose="020B0503020204020204" pitchFamily="34" charset="-122"/>
               </a:rPr>
-              <a:t>1.创新的 </a:t>
-            </a:r>
-          </a:p>
-          <a:p>
-            <a:r>
-              <a:rPr lang="zh-CN" altLang="zh-CN" dirty="0" smtClean="0">
-                <a:latin typeface="微软雅黑" panose="020B0503020204020204" pitchFamily="34" charset="-122"/>
-                <a:ea typeface="微软雅黑" panose="020B0503020204020204" pitchFamily="34" charset="-122"/>
-              </a:rPr>
-              <a:t>2.实用的 </a:t>
-            </a:r>
-          </a:p>
-          <a:p>
-            <a:r>
-              <a:rPr lang="zh-CN" altLang="zh-CN" dirty="0" smtClean="0">
-                <a:latin typeface="微软雅黑" panose="020B0503020204020204" pitchFamily="34" charset="-122"/>
-                <a:ea typeface="微软雅黑" panose="020B0503020204020204" pitchFamily="34" charset="-122"/>
-              </a:rPr>
-              <a:t>3.有美学上的设想 </a:t>
-            </a:r>
-          </a:p>
-          <a:p>
-            <a:r>
-              <a:rPr lang="zh-CN" altLang="zh-CN" dirty="0" smtClean="0">
-                <a:latin typeface="微软雅黑" panose="020B0503020204020204" pitchFamily="34" charset="-122"/>
-                <a:ea typeface="微软雅黑" panose="020B0503020204020204" pitchFamily="34" charset="-122"/>
-              </a:rPr>
-              <a:t>4.易被理解 </a:t>
-            </a:r>
-          </a:p>
-          <a:p>
-            <a:r>
-              <a:rPr lang="zh-CN" altLang="zh-CN" dirty="0" smtClean="0">
-                <a:latin typeface="微软雅黑" panose="020B0503020204020204" pitchFamily="34" charset="-122"/>
-                <a:ea typeface="微软雅黑" panose="020B0503020204020204" pitchFamily="34" charset="-122"/>
-              </a:rPr>
-              <a:t>5.毫无妨碍的 </a:t>
-            </a:r>
-          </a:p>
-          <a:p>
-            <a:r>
-              <a:rPr lang="zh-CN" altLang="zh-CN" dirty="0" smtClean="0">
-                <a:latin typeface="微软雅黑" panose="020B0503020204020204" pitchFamily="34" charset="-122"/>
-                <a:ea typeface="微软雅黑" panose="020B0503020204020204" pitchFamily="34" charset="-122"/>
-              </a:rPr>
-              <a:t>6.诚实的 </a:t>
-            </a:r>
-          </a:p>
-          <a:p>
-            <a:r>
-              <a:rPr lang="zh-CN" altLang="zh-CN" dirty="0" smtClean="0">
-                <a:latin typeface="微软雅黑" panose="020B0503020204020204" pitchFamily="34" charset="-122"/>
-                <a:ea typeface="微软雅黑" panose="020B0503020204020204" pitchFamily="34" charset="-122"/>
-              </a:rPr>
-              <a:t>7.耐久的 </a:t>
-            </a:r>
-          </a:p>
-          <a:p>
-            <a:r>
-              <a:rPr lang="zh-CN" altLang="zh-CN" dirty="0" smtClean="0">
-                <a:latin typeface="微软雅黑" panose="020B0503020204020204" pitchFamily="34" charset="-122"/>
-                <a:ea typeface="微软雅黑" panose="020B0503020204020204" pitchFamily="34" charset="-122"/>
-              </a:rPr>
-              <a:t>8.拥有细节 </a:t>
-            </a:r>
-          </a:p>
-          <a:p>
-            <a:r>
-              <a:rPr lang="zh-CN" altLang="zh-CN" dirty="0" smtClean="0">
-                <a:latin typeface="微软雅黑" panose="020B0503020204020204" pitchFamily="34" charset="-122"/>
-                <a:ea typeface="微软雅黑" panose="020B0503020204020204" pitchFamily="34" charset="-122"/>
-              </a:rPr>
-              <a:t>9.符合生态学 </a:t>
-            </a:r>
-          </a:p>
-          <a:p>
-            <a:r>
-              <a:rPr lang="zh-CN" altLang="zh-CN" dirty="0" smtClean="0">
-                <a:latin typeface="微软雅黑" panose="020B0503020204020204" pitchFamily="34" charset="-122"/>
-                <a:ea typeface="微软雅黑" panose="020B0503020204020204" pitchFamily="34" charset="-122"/>
-              </a:rPr>
-              <a:t>10.尽可能少的设计</a:t>
+              <a:t>在设计中对产品进行强调、取舍、浓缩，以独到的想象抓住一点或一个局部加以集中设计或延伸放大，以更充分地表达主题思想。这种处理以一点观全面，以小见大，从不全到全的表现手法，给设计者带来了很大的灵活性和无限的表现力，同时为接受者提供了广阔的想象空间，获得生动的情趣和丰富的联想。以小见大中的“小”，是产品的焦点和视觉兴趣中心，它既是设计创意的浓缩和生发，也是设计者匠心独具的安排，因面它已不是一般意义的“小”，而是小中寓大，以小胜大的高度提炼的产物，是简洁的刻意追求。 </a:t>
             </a:r>
           </a:p>
           <a:p>
@@ -15127,10 +15088,34 @@
           </a:p>
         </p:txBody>
       </p:sp>
+      <p:pic>
+        <p:nvPicPr>
+          <p:cNvPr id="6" name="图片 5" descr="2014416101754781.jpg"/>
+          <p:cNvPicPr>
+            <a:picLocks noChangeAspect="1"/>
+          </p:cNvPicPr>
+          <p:nvPr/>
+        </p:nvPicPr>
+        <p:blipFill>
+          <a:blip r:embed="rId2" cstate="print"/>
+          <a:stretch>
+            <a:fillRect/>
+          </a:stretch>
+        </p:blipFill>
+        <p:spPr>
+          <a:xfrm>
+            <a:off x="457198" y="2119112"/>
+            <a:ext cx="2875935" cy="2998452"/>
+          </a:xfrm>
+          <a:prstGeom prst="rect">
+            <a:avLst/>
+          </a:prstGeom>
+        </p:spPr>
+      </p:pic>
     </p:spTree>
     <p:extLst>
       <p:ext uri="{BB962C8B-B14F-4D97-AF65-F5344CB8AC3E}">
-        <p14:creationId xmlns:p14="http://schemas.microsoft.com/office/powerpoint/2010/main" val="143603595"/>
+        <p14:creationId xmlns:p14="http://schemas.microsoft.com/office/powerpoint/2010/main" xmlns="" val="143603595"/>
       </p:ext>
     </p:extLst>
   </p:cSld>
@@ -15172,8 +15157,8 @@
         </p:nvSpPr>
         <p:spPr>
           <a:xfrm>
-            <a:off x="2958861" y="1423358"/>
-            <a:ext cx="5582682" cy="4016484"/>
+            <a:off x="5471651" y="1701244"/>
+            <a:ext cx="2698955" cy="3693319"/>
           </a:xfrm>
           <a:prstGeom prst="rect">
             <a:avLst/>
@@ -15187,125 +15172,128 @@
           <a:lstStyle/>
           <a:p>
             <a:r>
-              <a:rPr lang="zh-CN" altLang="en-US" sz="1700" dirty="0">
+              <a:rPr lang="zh-CN" altLang="zh-CN" dirty="0" smtClean="0">
                 <a:latin typeface="微软雅黑" panose="020B0503020204020204" pitchFamily="34" charset="-122"/>
                 <a:ea typeface="微软雅黑" panose="020B0503020204020204" pitchFamily="34" charset="-122"/>
               </a:rPr>
-              <a:t>深具哲学性的德国设计师在设计过程中强调概念</a:t>
-            </a:r>
-            <a:r>
-              <a:rPr lang="en-US" altLang="zh-CN" sz="1700" dirty="0">
+              <a:t>十项原则 </a:t>
+            </a:r>
+            <a:endParaRPr lang="en-US" altLang="zh-CN" dirty="0" smtClean="0">
+              <a:latin typeface="微软雅黑" panose="020B0503020204020204" pitchFamily="34" charset="-122"/>
+              <a:ea typeface="微软雅黑" panose="020B0503020204020204" pitchFamily="34" charset="-122"/>
+            </a:endParaRPr>
+          </a:p>
+          <a:p>
+            <a:endParaRPr lang="zh-CN" altLang="zh-CN" dirty="0" smtClean="0">
+              <a:latin typeface="微软雅黑" panose="020B0503020204020204" pitchFamily="34" charset="-122"/>
+              <a:ea typeface="微软雅黑" panose="020B0503020204020204" pitchFamily="34" charset="-122"/>
+            </a:endParaRPr>
+          </a:p>
+          <a:p>
+            <a:r>
+              <a:rPr lang="zh-CN" altLang="zh-CN" dirty="0" smtClean="0">
                 <a:latin typeface="微软雅黑" panose="020B0503020204020204" pitchFamily="34" charset="-122"/>
                 <a:ea typeface="微软雅黑" panose="020B0503020204020204" pitchFamily="34" charset="-122"/>
               </a:rPr>
-              <a:t>, </a:t>
-            </a:r>
-            <a:r>
-              <a:rPr lang="zh-CN" altLang="en-US" sz="1700" dirty="0">
+              <a:t>1.创新的 </a:t>
+            </a:r>
+          </a:p>
+          <a:p>
+            <a:r>
+              <a:rPr lang="zh-CN" altLang="zh-CN" dirty="0" smtClean="0">
                 <a:latin typeface="微软雅黑" panose="020B0503020204020204" pitchFamily="34" charset="-122"/>
                 <a:ea typeface="微软雅黑" panose="020B0503020204020204" pitchFamily="34" charset="-122"/>
               </a:rPr>
-              <a:t>德国人对概念的执着来源于其重思辩轻直觉，重逻辑轻灵感的普遍共性，因其传统哲学之影响。吉尔</a:t>
-            </a:r>
-            <a:r>
-              <a:rPr lang="en-US" altLang="zh-CN" sz="1700" dirty="0">
+              <a:t>2.实用的 </a:t>
+            </a:r>
+          </a:p>
+          <a:p>
+            <a:r>
+              <a:rPr lang="zh-CN" altLang="zh-CN" dirty="0" smtClean="0">
                 <a:latin typeface="微软雅黑" panose="020B0503020204020204" pitchFamily="34" charset="-122"/>
                 <a:ea typeface="微软雅黑" panose="020B0503020204020204" pitchFamily="34" charset="-122"/>
               </a:rPr>
-              <a:t>•</a:t>
-            </a:r>
-            <a:r>
-              <a:rPr lang="zh-CN" altLang="en-US" sz="1700" dirty="0">
+              <a:t>3.有美学上的设想 </a:t>
+            </a:r>
+          </a:p>
+          <a:p>
+            <a:r>
+              <a:rPr lang="zh-CN" altLang="zh-CN" dirty="0" smtClean="0">
                 <a:latin typeface="微软雅黑" panose="020B0503020204020204" pitchFamily="34" charset="-122"/>
                 <a:ea typeface="微软雅黑" panose="020B0503020204020204" pitchFamily="34" charset="-122"/>
               </a:rPr>
-              <a:t>德勒兹曾言：“哲学是一门创造概念的艺术”。概念是对 象先行分解 </a:t>
-            </a:r>
-            <a:r>
-              <a:rPr lang="en-US" altLang="zh-CN" sz="1700" dirty="0">
+              <a:t>4.易被理解 </a:t>
+            </a:r>
+          </a:p>
+          <a:p>
+            <a:r>
+              <a:rPr lang="zh-CN" altLang="zh-CN" dirty="0" smtClean="0">
                 <a:latin typeface="微软雅黑" panose="020B0503020204020204" pitchFamily="34" charset="-122"/>
                 <a:ea typeface="微软雅黑" panose="020B0503020204020204" pitchFamily="34" charset="-122"/>
               </a:rPr>
-              <a:t>,</a:t>
-            </a:r>
-            <a:r>
-              <a:rPr lang="zh-CN" altLang="en-US" sz="1700" dirty="0">
+              <a:t>5.毫无妨碍的 </a:t>
+            </a:r>
+          </a:p>
+          <a:p>
+            <a:r>
+              <a:rPr lang="zh-CN" altLang="zh-CN" dirty="0" smtClean="0">
                 <a:latin typeface="微软雅黑" panose="020B0503020204020204" pitchFamily="34" charset="-122"/>
                 <a:ea typeface="微软雅黑" panose="020B0503020204020204" pitchFamily="34" charset="-122"/>
               </a:rPr>
-              <a:t>舍弃掉其中个别的特殊的东西</a:t>
-            </a:r>
-            <a:r>
-              <a:rPr lang="en-US" altLang="zh-CN" sz="1700" dirty="0">
+              <a:t>6.诚实的 </a:t>
+            </a:r>
+          </a:p>
+          <a:p>
+            <a:r>
+              <a:rPr lang="zh-CN" altLang="zh-CN" dirty="0" smtClean="0">
                 <a:latin typeface="微软雅黑" panose="020B0503020204020204" pitchFamily="34" charset="-122"/>
                 <a:ea typeface="微软雅黑" panose="020B0503020204020204" pitchFamily="34" charset="-122"/>
               </a:rPr>
-              <a:t>,</a:t>
-            </a:r>
-            <a:r>
-              <a:rPr lang="zh-CN" altLang="en-US" sz="1700" dirty="0">
+              <a:t>7.耐久的 </a:t>
+            </a:r>
+          </a:p>
+          <a:p>
+            <a:r>
+              <a:rPr lang="zh-CN" altLang="zh-CN" dirty="0" smtClean="0">
                 <a:latin typeface="微软雅黑" panose="020B0503020204020204" pitchFamily="34" charset="-122"/>
                 <a:ea typeface="微软雅黑" panose="020B0503020204020204" pitchFamily="34" charset="-122"/>
               </a:rPr>
-              <a:t>抽取中共性的东西</a:t>
-            </a:r>
-            <a:r>
-              <a:rPr lang="en-US" altLang="zh-CN" sz="1700" dirty="0">
+              <a:t>8.拥有细节 </a:t>
+            </a:r>
+          </a:p>
+          <a:p>
+            <a:r>
+              <a:rPr lang="zh-CN" altLang="zh-CN" dirty="0" smtClean="0">
                 <a:latin typeface="微软雅黑" panose="020B0503020204020204" pitchFamily="34" charset="-122"/>
                 <a:ea typeface="微软雅黑" panose="020B0503020204020204" pitchFamily="34" charset="-122"/>
               </a:rPr>
-              <a:t>,</a:t>
-            </a:r>
-            <a:r>
-              <a:rPr lang="zh-CN" altLang="en-US" sz="1700" dirty="0">
+              <a:t>9.符合生态学 </a:t>
+            </a:r>
+          </a:p>
+          <a:p>
+            <a:r>
+              <a:rPr lang="zh-CN" altLang="zh-CN" dirty="0" smtClean="0">
                 <a:latin typeface="微软雅黑" panose="020B0503020204020204" pitchFamily="34" charset="-122"/>
                 <a:ea typeface="微软雅黑" panose="020B0503020204020204" pitchFamily="34" charset="-122"/>
               </a:rPr>
-              <a:t>尔后综合地去把握对象。完整的思辨过程加以推演所得之结果，即为一系统的设计方案。整个系统由设计过程内在的系统逻辑自然促成。德国设计之高度理性的说服力与高效率即来源于此。德国设计传统之科学设计观和德国人理性与直线型的情感模式，自包豪斯时代始又经历代反复修正的人体工程学样本数据，及乌尔姆时期所开创的用于平面设计的标准网格，皆是该观念的实践体现。</a:t>
-            </a:r>
-            <a:br>
-              <a:rPr lang="zh-CN" altLang="en-US" sz="1700" dirty="0">
+              <a:t>10.尽可能少的设计</a:t>
+            </a:r>
+          </a:p>
+          <a:p>
+            <a:r>
+              <a:rPr lang="zh-CN" altLang="zh-CN" dirty="0" smtClean="0">
                 <a:latin typeface="微软雅黑" panose="020B0503020204020204" pitchFamily="34" charset="-122"/>
                 <a:ea typeface="微软雅黑" panose="020B0503020204020204" pitchFamily="34" charset="-122"/>
               </a:rPr>
-            </a:br>
-            <a:r>
-              <a:rPr lang="zh-CN" altLang="en-US" sz="1700" dirty="0">
-                <a:latin typeface="微软雅黑" panose="020B0503020204020204" pitchFamily="34" charset="-122"/>
-                <a:ea typeface="微软雅黑" panose="020B0503020204020204" pitchFamily="34" charset="-122"/>
-              </a:rPr>
-              <a:t/>
-            </a:r>
-            <a:br>
-              <a:rPr lang="zh-CN" altLang="en-US" sz="1700" dirty="0">
-                <a:latin typeface="微软雅黑" panose="020B0503020204020204" pitchFamily="34" charset="-122"/>
-                <a:ea typeface="微软雅黑" panose="020B0503020204020204" pitchFamily="34" charset="-122"/>
-              </a:rPr>
-            </a:br>
-            <a:r>
-              <a:rPr lang="zh-CN" altLang="en-US" sz="1700" dirty="0">
-                <a:latin typeface="微软雅黑" panose="020B0503020204020204" pitchFamily="34" charset="-122"/>
-                <a:ea typeface="微软雅黑" panose="020B0503020204020204" pitchFamily="34" charset="-122"/>
-              </a:rPr>
-              <a:t/>
-            </a:r>
-            <a:br>
-              <a:rPr lang="zh-CN" altLang="en-US" sz="1700" dirty="0">
-                <a:latin typeface="微软雅黑" panose="020B0503020204020204" pitchFamily="34" charset="-122"/>
-                <a:ea typeface="微软雅黑" panose="020B0503020204020204" pitchFamily="34" charset="-122"/>
-              </a:rPr>
-            </a:br>
-            <a:endParaRPr lang="zh-CN" altLang="en-US" sz="1700" dirty="0">
-              <a:latin typeface="微软雅黑" panose="020B0503020204020204" pitchFamily="34" charset="-122"/>
-              <a:ea typeface="微软雅黑" panose="020B0503020204020204" pitchFamily="34" charset="-122"/>
-            </a:endParaRPr>
+              <a:t> </a:t>
+            </a:r>
           </a:p>
         </p:txBody>
       </p:sp>
     </p:spTree>
     <p:extLst>
       <p:ext uri="{BB962C8B-B14F-4D97-AF65-F5344CB8AC3E}">
-        <p14:creationId xmlns:p14="http://schemas.microsoft.com/office/powerpoint/2010/main" val="2493363709"/>
+        <p14:creationId xmlns:p14="http://schemas.microsoft.com/office/powerpoint/2010/main" xmlns="" val="143603595"/>
       </p:ext>
     </p:extLst>
   </p:cSld>
@@ -15323,6 +15311,181 @@
 </file>
 
 <file path=ppt/slides/slide16.xml><?xml version="1.0" encoding="utf-8"?>
+<p:sld xmlns:a="http://schemas.openxmlformats.org/drawingml/2006/main" xmlns:r="http://schemas.openxmlformats.org/officeDocument/2006/relationships" xmlns:p="http://schemas.openxmlformats.org/presentationml/2006/main">
+  <p:cSld>
+    <p:spTree>
+      <p:nvGrpSpPr>
+        <p:cNvPr id="1" name=""/>
+        <p:cNvGrpSpPr/>
+        <p:nvPr/>
+      </p:nvGrpSpPr>
+      <p:grpSpPr>
+        <a:xfrm>
+          <a:off x="0" y="0"/>
+          <a:ext cx="0" cy="0"/>
+          <a:chOff x="0" y="0"/>
+          <a:chExt cx="0" cy="0"/>
+        </a:xfrm>
+      </p:grpSpPr>
+      <p:sp>
+        <p:nvSpPr>
+          <p:cNvPr id="4" name="文本框 5"/>
+          <p:cNvSpPr txBox="1"/>
+          <p:nvPr/>
+        </p:nvSpPr>
+        <p:spPr>
+          <a:xfrm>
+            <a:off x="2958861" y="1423358"/>
+            <a:ext cx="5582682" cy="4016484"/>
+          </a:xfrm>
+          <a:prstGeom prst="rect">
+            <a:avLst/>
+          </a:prstGeom>
+          <a:noFill/>
+        </p:spPr>
+        <p:txBody>
+          <a:bodyPr wrap="square" rtlCol="0">
+            <a:spAutoFit/>
+          </a:bodyPr>
+          <a:lstStyle/>
+          <a:p>
+            <a:r>
+              <a:rPr lang="zh-CN" altLang="en-US" sz="1700" dirty="0">
+                <a:latin typeface="微软雅黑" panose="020B0503020204020204" pitchFamily="34" charset="-122"/>
+                <a:ea typeface="微软雅黑" panose="020B0503020204020204" pitchFamily="34" charset="-122"/>
+              </a:rPr>
+              <a:t>深具哲学性的德国设计师在设计过程中强调概念</a:t>
+            </a:r>
+            <a:r>
+              <a:rPr lang="en-US" altLang="zh-CN" sz="1700" dirty="0">
+                <a:latin typeface="微软雅黑" panose="020B0503020204020204" pitchFamily="34" charset="-122"/>
+                <a:ea typeface="微软雅黑" panose="020B0503020204020204" pitchFamily="34" charset="-122"/>
+              </a:rPr>
+              <a:t>, </a:t>
+            </a:r>
+            <a:r>
+              <a:rPr lang="zh-CN" altLang="en-US" sz="1700" dirty="0">
+                <a:latin typeface="微软雅黑" panose="020B0503020204020204" pitchFamily="34" charset="-122"/>
+                <a:ea typeface="微软雅黑" panose="020B0503020204020204" pitchFamily="34" charset="-122"/>
+              </a:rPr>
+              <a:t>德国人对概念的执着来源于其重思辩轻直觉，重逻辑轻灵感的普遍共性，因其传统哲学之影响。吉尔</a:t>
+            </a:r>
+            <a:r>
+              <a:rPr lang="en-US" altLang="zh-CN" sz="1700" dirty="0">
+                <a:latin typeface="微软雅黑" panose="020B0503020204020204" pitchFamily="34" charset="-122"/>
+                <a:ea typeface="微软雅黑" panose="020B0503020204020204" pitchFamily="34" charset="-122"/>
+              </a:rPr>
+              <a:t>•</a:t>
+            </a:r>
+            <a:r>
+              <a:rPr lang="zh-CN" altLang="en-US" sz="1700" dirty="0">
+                <a:latin typeface="微软雅黑" panose="020B0503020204020204" pitchFamily="34" charset="-122"/>
+                <a:ea typeface="微软雅黑" panose="020B0503020204020204" pitchFamily="34" charset="-122"/>
+              </a:rPr>
+              <a:t>德勒兹曾言：“哲学是一门创造概念的艺术”。概念是对 象先行分解 </a:t>
+            </a:r>
+            <a:r>
+              <a:rPr lang="en-US" altLang="zh-CN" sz="1700" dirty="0">
+                <a:latin typeface="微软雅黑" panose="020B0503020204020204" pitchFamily="34" charset="-122"/>
+                <a:ea typeface="微软雅黑" panose="020B0503020204020204" pitchFamily="34" charset="-122"/>
+              </a:rPr>
+              <a:t>,</a:t>
+            </a:r>
+            <a:r>
+              <a:rPr lang="zh-CN" altLang="en-US" sz="1700" dirty="0">
+                <a:latin typeface="微软雅黑" panose="020B0503020204020204" pitchFamily="34" charset="-122"/>
+                <a:ea typeface="微软雅黑" panose="020B0503020204020204" pitchFamily="34" charset="-122"/>
+              </a:rPr>
+              <a:t>舍弃掉其中个别的特殊的东西</a:t>
+            </a:r>
+            <a:r>
+              <a:rPr lang="en-US" altLang="zh-CN" sz="1700" dirty="0">
+                <a:latin typeface="微软雅黑" panose="020B0503020204020204" pitchFamily="34" charset="-122"/>
+                <a:ea typeface="微软雅黑" panose="020B0503020204020204" pitchFamily="34" charset="-122"/>
+              </a:rPr>
+              <a:t>,</a:t>
+            </a:r>
+            <a:r>
+              <a:rPr lang="zh-CN" altLang="en-US" sz="1700" dirty="0">
+                <a:latin typeface="微软雅黑" panose="020B0503020204020204" pitchFamily="34" charset="-122"/>
+                <a:ea typeface="微软雅黑" panose="020B0503020204020204" pitchFamily="34" charset="-122"/>
+              </a:rPr>
+              <a:t>抽取中共性的东西</a:t>
+            </a:r>
+            <a:r>
+              <a:rPr lang="en-US" altLang="zh-CN" sz="1700" dirty="0">
+                <a:latin typeface="微软雅黑" panose="020B0503020204020204" pitchFamily="34" charset="-122"/>
+                <a:ea typeface="微软雅黑" panose="020B0503020204020204" pitchFamily="34" charset="-122"/>
+              </a:rPr>
+              <a:t>,</a:t>
+            </a:r>
+            <a:r>
+              <a:rPr lang="zh-CN" altLang="en-US" sz="1700" dirty="0">
+                <a:latin typeface="微软雅黑" panose="020B0503020204020204" pitchFamily="34" charset="-122"/>
+                <a:ea typeface="微软雅黑" panose="020B0503020204020204" pitchFamily="34" charset="-122"/>
+              </a:rPr>
+              <a:t>尔后综合地去把握对象。完整的思辨过程加以推演所得之结果，即为一系统的设计方案。整个系统由设计过程内在的系统逻辑自然促成。德国设计之高度理性的说服力与高效率即来源于此。德国设计传统之科学设计观和德国人理性与直线型的情感模式，自包豪斯时代始又经历代反复修正的人体工程学样本数据，及乌尔姆时期所开创的用于平面设计的标准网格，皆是该观念的实践体现。</a:t>
+            </a:r>
+            <a:br>
+              <a:rPr lang="zh-CN" altLang="en-US" sz="1700" dirty="0">
+                <a:latin typeface="微软雅黑" panose="020B0503020204020204" pitchFamily="34" charset="-122"/>
+                <a:ea typeface="微软雅黑" panose="020B0503020204020204" pitchFamily="34" charset="-122"/>
+              </a:rPr>
+            </a:br>
+            <a:r>
+              <a:rPr lang="zh-CN" altLang="en-US" sz="1700" dirty="0">
+                <a:latin typeface="微软雅黑" panose="020B0503020204020204" pitchFamily="34" charset="-122"/>
+                <a:ea typeface="微软雅黑" panose="020B0503020204020204" pitchFamily="34" charset="-122"/>
+              </a:rPr>
+              <a:t/>
+            </a:r>
+            <a:br>
+              <a:rPr lang="zh-CN" altLang="en-US" sz="1700" dirty="0">
+                <a:latin typeface="微软雅黑" panose="020B0503020204020204" pitchFamily="34" charset="-122"/>
+                <a:ea typeface="微软雅黑" panose="020B0503020204020204" pitchFamily="34" charset="-122"/>
+              </a:rPr>
+            </a:br>
+            <a:r>
+              <a:rPr lang="zh-CN" altLang="en-US" sz="1700" dirty="0">
+                <a:latin typeface="微软雅黑" panose="020B0503020204020204" pitchFamily="34" charset="-122"/>
+                <a:ea typeface="微软雅黑" panose="020B0503020204020204" pitchFamily="34" charset="-122"/>
+              </a:rPr>
+              <a:t/>
+            </a:r>
+            <a:br>
+              <a:rPr lang="zh-CN" altLang="en-US" sz="1700" dirty="0">
+                <a:latin typeface="微软雅黑" panose="020B0503020204020204" pitchFamily="34" charset="-122"/>
+                <a:ea typeface="微软雅黑" panose="020B0503020204020204" pitchFamily="34" charset="-122"/>
+              </a:rPr>
+            </a:br>
+            <a:endParaRPr lang="zh-CN" altLang="en-US" sz="1700" dirty="0">
+              <a:latin typeface="微软雅黑" panose="020B0503020204020204" pitchFamily="34" charset="-122"/>
+              <a:ea typeface="微软雅黑" panose="020B0503020204020204" pitchFamily="34" charset="-122"/>
+            </a:endParaRPr>
+          </a:p>
+        </p:txBody>
+      </p:sp>
+    </p:spTree>
+    <p:extLst>
+      <p:ext uri="{BB962C8B-B14F-4D97-AF65-F5344CB8AC3E}">
+        <p14:creationId xmlns:p14="http://schemas.microsoft.com/office/powerpoint/2010/main" xmlns="" val="2493363709"/>
+      </p:ext>
+    </p:extLst>
+  </p:cSld>
+  <p:clrMapOvr>
+    <a:masterClrMapping/>
+  </p:clrMapOvr>
+  <p:timing>
+    <p:tnLst>
+      <p:par>
+        <p:cTn id="1" dur="indefinite" restart="never" nodeType="tmRoot"/>
+      </p:par>
+    </p:tnLst>
+  </p:timing>
+</p:sld>
+</file>
+
+<file path=ppt/slides/slide17.xml><?xml version="1.0" encoding="utf-8"?>
 <p:sld xmlns:a="http://schemas.openxmlformats.org/drawingml/2006/main" xmlns:r="http://schemas.openxmlformats.org/officeDocument/2006/relationships" xmlns:p="http://schemas.openxmlformats.org/presentationml/2006/main">
   <p:cSld>
     <p:spTree>
@@ -15476,7 +15639,7 @@
     </p:spTree>
     <p:extLst>
       <p:ext uri="{BB962C8B-B14F-4D97-AF65-F5344CB8AC3E}">
-        <p14:creationId xmlns:p14="http://schemas.microsoft.com/office/powerpoint/2010/main" val="3701213672"/>
+        <p14:creationId xmlns:p14="http://schemas.microsoft.com/office/powerpoint/2010/main" xmlns="" val="3701213672"/>
       </p:ext>
     </p:extLst>
   </p:cSld>
@@ -15641,7 +15804,7 @@
     </p:spTree>
     <p:extLst>
       <p:ext uri="{BB962C8B-B14F-4D97-AF65-F5344CB8AC3E}">
-        <p14:creationId xmlns:p14="http://schemas.microsoft.com/office/powerpoint/2010/main" val="3516884479"/>
+        <p14:creationId xmlns:p14="http://schemas.microsoft.com/office/powerpoint/2010/main" xmlns="" val="3516884479"/>
       </p:ext>
     </p:extLst>
   </p:cSld>
@@ -15790,7 +15953,7 @@
     </p:spTree>
     <p:extLst>
       <p:ext uri="{BB962C8B-B14F-4D97-AF65-F5344CB8AC3E}">
-        <p14:creationId xmlns:p14="http://schemas.microsoft.com/office/powerpoint/2010/main" val="1920592957"/>
+        <p14:creationId xmlns:p14="http://schemas.microsoft.com/office/powerpoint/2010/main" xmlns="" val="1920592957"/>
       </p:ext>
     </p:extLst>
   </p:cSld>
@@ -15937,7 +16100,7 @@
     </p:spTree>
     <p:extLst>
       <p:ext uri="{BB962C8B-B14F-4D97-AF65-F5344CB8AC3E}">
-        <p14:creationId xmlns:p14="http://schemas.microsoft.com/office/powerpoint/2010/main" val="1336733054"/>
+        <p14:creationId xmlns:p14="http://schemas.microsoft.com/office/powerpoint/2010/main" xmlns="" val="1336733054"/>
       </p:ext>
     </p:extLst>
   </p:cSld>
@@ -16040,7 +16203,7 @@
     </p:spTree>
     <p:extLst>
       <p:ext uri="{BB962C8B-B14F-4D97-AF65-F5344CB8AC3E}">
-        <p14:creationId xmlns:p14="http://schemas.microsoft.com/office/powerpoint/2010/main" val="143603595"/>
+        <p14:creationId xmlns:p14="http://schemas.microsoft.com/office/powerpoint/2010/main" xmlns="" val="143603595"/>
       </p:ext>
     </p:extLst>
   </p:cSld>
@@ -16503,7 +16666,7 @@
     </p:spTree>
     <p:extLst>
       <p:ext uri="{BB962C8B-B14F-4D97-AF65-F5344CB8AC3E}">
-        <p14:creationId xmlns:p14="http://schemas.microsoft.com/office/powerpoint/2010/main" val="682785485"/>
+        <p14:creationId xmlns:p14="http://schemas.microsoft.com/office/powerpoint/2010/main" xmlns="" val="682785485"/>
       </p:ext>
     </p:extLst>
   </p:cSld>
@@ -16549,7 +16712,7 @@
           <a:blip r:embed="rId2" cstate="email">
             <a:extLst>
               <a:ext uri="{28A0092B-C50C-407E-A947-70E740481C1C}">
-                <a14:useLocalDpi xmlns:a14="http://schemas.microsoft.com/office/drawing/2010/main" val="0"/>
+                <a14:useLocalDpi xmlns:a14="http://schemas.microsoft.com/office/drawing/2010/main" xmlns="" val="0"/>
               </a:ext>
             </a:extLst>
           </a:blip>
@@ -16792,7 +16955,7 @@
     </p:spTree>
     <p:extLst>
       <p:ext uri="{BB962C8B-B14F-4D97-AF65-F5344CB8AC3E}">
-        <p14:creationId xmlns:p14="http://schemas.microsoft.com/office/powerpoint/2010/main" val="1336733054"/>
+        <p14:creationId xmlns:p14="http://schemas.microsoft.com/office/powerpoint/2010/main" xmlns="" val="1336733054"/>
       </p:ext>
     </p:extLst>
   </p:cSld>
@@ -16866,17 +17029,7 @@
                 <a:latin typeface="Tekton Pro Ext" panose="020F0605020208020904" pitchFamily="34" charset="0"/>
                 <a:ea typeface="微软雅黑" panose="020B0503020204020204" pitchFamily="34" charset="-122"/>
               </a:rPr>
-              <a:t>、 </a:t>
-            </a:r>
-            <a:r>
-              <a:rPr lang="zh-CN" altLang="en-US" sz="1700" dirty="0" smtClean="0">
-                <a:solidFill>
-                  <a:srgbClr val="FF0000"/>
-                </a:solidFill>
-                <a:latin typeface="Tekton Pro Ext" panose="020F0605020208020904" pitchFamily="34" charset="0"/>
-                <a:ea typeface="微软雅黑" panose="020B0503020204020204" pitchFamily="34" charset="-122"/>
-              </a:rPr>
-              <a:t>关于整体</a:t>
+              <a:t>、 关于整体</a:t>
             </a:r>
             <a:r>
               <a:rPr lang="zh-CN" altLang="en-US" sz="1700" dirty="0" smtClean="0">
@@ -16966,14 +17119,7 @@
                 <a:latin typeface="Tekton Pro Ext" panose="020F0605020208020904" pitchFamily="34" charset="0"/>
                 <a:ea typeface="微软雅黑" panose="020B0503020204020204" pitchFamily="34" charset="-122"/>
               </a:rPr>
-              <a:t>包括所有那些被排挤到边缘的、被蔑视的人工技艺</a:t>
-            </a:r>
-            <a:r>
-              <a:rPr lang="zh-CN" altLang="en-US" sz="1700" dirty="0" smtClean="0">
-                <a:latin typeface="Tekton Pro Ext" panose="020F0605020208020904" pitchFamily="34" charset="0"/>
-                <a:ea typeface="微软雅黑" panose="020B0503020204020204" pitchFamily="34" charset="-122"/>
-              </a:rPr>
-              <a:t>。</a:t>
+              <a:t>包括所有那些被排挤到边缘的、被蔑视的人工技艺。</a:t>
             </a:r>
             <a:endParaRPr lang="en-US" altLang="zh-CN" sz="1700" dirty="0" smtClean="0">
               <a:latin typeface="Tekton Pro Ext" panose="020F0605020208020904" pitchFamily="34" charset="0"/>
@@ -17087,14 +17233,21 @@
                 <a:latin typeface="Tekton Pro Ext" panose="020F0605020208020904" pitchFamily="34" charset="0"/>
                 <a:ea typeface="微软雅黑" panose="020B0503020204020204" pitchFamily="34" charset="-122"/>
               </a:rPr>
-              <a:t>所以他们所关注的是普遍的大众的日常所需。这种社会主义的、民卞主义的思想构成了包豪斯成员设计思想的基础</a:t>
+              <a:t>所以他们所关注的是普遍的大众的日常所需。这种社会主义的、</a:t>
             </a:r>
             <a:r>
               <a:rPr lang="zh-CN" altLang="en-US" sz="1700" dirty="0" smtClean="0">
                 <a:latin typeface="Tekton Pro Ext" panose="020F0605020208020904" pitchFamily="34" charset="0"/>
                 <a:ea typeface="微软雅黑" panose="020B0503020204020204" pitchFamily="34" charset="-122"/>
               </a:rPr>
-              <a:t>。</a:t>
+              <a:t>民主主义</a:t>
+            </a:r>
+            <a:r>
+              <a:rPr lang="zh-CN" altLang="en-US" sz="1700" dirty="0" smtClean="0">
+                <a:latin typeface="Tekton Pro Ext" panose="020F0605020208020904" pitchFamily="34" charset="0"/>
+                <a:ea typeface="微软雅黑" panose="020B0503020204020204" pitchFamily="34" charset="-122"/>
+              </a:rPr>
+              <a:t>的思想构成了包豪斯成员设计思想的基础。</a:t>
             </a:r>
             <a:endParaRPr lang="en-US" altLang="zh-CN" sz="1700" dirty="0" smtClean="0">
               <a:latin typeface="Tekton Pro Ext" panose="020F0605020208020904" pitchFamily="34" charset="0"/>
@@ -17259,26 +17412,15 @@
                 <a:latin typeface="冬青黑体简体中文 W6" panose="020B0600000000000000" pitchFamily="34" charset="-122"/>
                 <a:ea typeface="冬青黑体简体中文 W6" panose="020B0600000000000000" pitchFamily="34" charset="-122"/>
               </a:rPr>
-              <a:t>中国传统哲学与包豪斯工业设计</a:t>
-            </a:r>
-            <a:r>
-              <a:rPr lang="zh-CN" altLang="en-US" sz="2000" dirty="0" smtClean="0">
-                <a:latin typeface="冬青黑体简体中文 W6" panose="020B0600000000000000" pitchFamily="34" charset="-122"/>
-                <a:ea typeface="冬青黑体简体中文 W6" panose="020B0600000000000000" pitchFamily="34" charset="-122"/>
-              </a:rPr>
-              <a:t>思想</a:t>
-            </a:r>
-            <a:endParaRPr lang="zh-CN" altLang="en-US" sz="2000" dirty="0" smtClean="0">
-              <a:latin typeface="冬青黑体简体中文 W6" panose="020B0600000000000000" pitchFamily="34" charset="-122"/>
-              <a:ea typeface="冬青黑体简体中文 W6" panose="020B0600000000000000" pitchFamily="34" charset="-122"/>
-            </a:endParaRPr>
+              <a:t>中国传统哲学与包豪斯工业设计思想</a:t>
+            </a:r>
           </a:p>
         </p:txBody>
       </p:sp>
     </p:spTree>
     <p:extLst>
       <p:ext uri="{BB962C8B-B14F-4D97-AF65-F5344CB8AC3E}">
-        <p14:creationId xmlns:p14="http://schemas.microsoft.com/office/powerpoint/2010/main" val="143603595"/>
+        <p14:creationId xmlns:p14="http://schemas.microsoft.com/office/powerpoint/2010/main" xmlns="" val="143603595"/>
       </p:ext>
     </p:extLst>
   </p:cSld>
@@ -17314,14 +17456,14 @@
       </p:grpSpPr>
       <p:sp>
         <p:nvSpPr>
-          <p:cNvPr id="6" name="文本框 5"/>
+          <p:cNvPr id="3" name="TextBox 2"/>
           <p:cNvSpPr txBox="1"/>
           <p:nvPr/>
         </p:nvSpPr>
         <p:spPr>
           <a:xfrm>
-            <a:off x="3883143" y="1039102"/>
-            <a:ext cx="5021809" cy="369332"/>
+            <a:off x="267739" y="306943"/>
+            <a:ext cx="6818489" cy="400110"/>
           </a:xfrm>
           <a:prstGeom prst="rect">
             <a:avLst/>
@@ -17335,29 +17477,25 @@
           <a:lstStyle/>
           <a:p>
             <a:r>
-              <a:rPr lang="zh-CN" altLang="zh-CN" dirty="0" smtClean="0">
-                <a:latin typeface="微软雅黑" panose="020B0503020204020204" pitchFamily="34" charset="-122"/>
-                <a:ea typeface="微软雅黑" panose="020B0503020204020204" pitchFamily="34" charset="-122"/>
+              <a:rPr lang="zh-CN" altLang="en-US" sz="2000" dirty="0" smtClean="0">
+                <a:latin typeface="冬青黑体简体中文 W6" panose="020B0600000000000000" pitchFamily="34" charset="-122"/>
+                <a:ea typeface="冬青黑体简体中文 W6" panose="020B0600000000000000" pitchFamily="34" charset="-122"/>
               </a:rPr>
-              <a:t>中国设计的“整体观”与德国设计的“以小见大”</a:t>
-            </a:r>
-            <a:endParaRPr lang="zh-CN" altLang="zh-CN" dirty="0">
-              <a:latin typeface="微软雅黑" panose="020B0503020204020204" pitchFamily="34" charset="-122"/>
-              <a:ea typeface="微软雅黑" panose="020B0503020204020204" pitchFamily="34" charset="-122"/>
-            </a:endParaRPr>
+              <a:t>中国传统哲学与包豪斯工业设计思想</a:t>
+            </a:r>
           </a:p>
         </p:txBody>
       </p:sp>
       <p:sp>
         <p:nvSpPr>
-          <p:cNvPr id="4" name="文本框 5"/>
+          <p:cNvPr id="6" name="TextBox 5"/>
           <p:cNvSpPr txBox="1"/>
           <p:nvPr/>
         </p:nvSpPr>
         <p:spPr>
           <a:xfrm>
-            <a:off x="2536723" y="1560202"/>
-            <a:ext cx="6373149" cy="3754874"/>
+            <a:off x="437407" y="1673823"/>
+            <a:ext cx="2493818" cy="400110"/>
           </a:xfrm>
           <a:prstGeom prst="rect">
             <a:avLst/>
@@ -17371,75 +17509,758 @@
           <a:lstStyle/>
           <a:p>
             <a:r>
-              <a:rPr lang="zh-CN" altLang="zh-CN" sz="1700" dirty="0" smtClean="0">
+              <a:rPr lang="zh-CN" altLang="en-US" sz="2000" dirty="0" smtClean="0">
+                <a:latin typeface="微软雅黑" pitchFamily="34" charset="-122"/>
+                <a:ea typeface="微软雅黑" pitchFamily="34" charset="-122"/>
+              </a:rPr>
+              <a:t>中国传统哲学</a:t>
+            </a:r>
+            <a:endParaRPr lang="zh-CN" altLang="en-US" sz="2000" dirty="0">
+              <a:latin typeface="微软雅黑" pitchFamily="34" charset="-122"/>
+              <a:ea typeface="微软雅黑" pitchFamily="34" charset="-122"/>
+            </a:endParaRPr>
+          </a:p>
+        </p:txBody>
+      </p:sp>
+      <p:sp>
+        <p:nvSpPr>
+          <p:cNvPr id="15" name="TextBox 14"/>
+          <p:cNvSpPr txBox="1"/>
+          <p:nvPr/>
+        </p:nvSpPr>
+        <p:spPr>
+          <a:xfrm>
+            <a:off x="3263733" y="1187533"/>
+            <a:ext cx="1425039" cy="400110"/>
+          </a:xfrm>
+          <a:prstGeom prst="rect">
+            <a:avLst/>
+          </a:prstGeom>
+          <a:noFill/>
+        </p:spPr>
+        <p:txBody>
+          <a:bodyPr wrap="square" rtlCol="0">
+            <a:spAutoFit/>
+          </a:bodyPr>
+          <a:lstStyle/>
+          <a:p>
+            <a:r>
+              <a:rPr lang="zh-CN" altLang="en-US" sz="2000" dirty="0" smtClean="0">
+                <a:latin typeface="微软雅黑" pitchFamily="34" charset="-122"/>
+                <a:ea typeface="微软雅黑" pitchFamily="34" charset="-122"/>
+              </a:rPr>
+              <a:t>万物一体</a:t>
+            </a:r>
+            <a:endParaRPr lang="zh-CN" altLang="en-US" sz="2000" dirty="0">
+              <a:latin typeface="微软雅黑" pitchFamily="34" charset="-122"/>
+              <a:ea typeface="微软雅黑" pitchFamily="34" charset="-122"/>
+            </a:endParaRPr>
+          </a:p>
+        </p:txBody>
+      </p:sp>
+      <p:sp>
+        <p:nvSpPr>
+          <p:cNvPr id="16" name="TextBox 15"/>
+          <p:cNvSpPr txBox="1"/>
+          <p:nvPr/>
+        </p:nvSpPr>
+        <p:spPr>
+          <a:xfrm>
+            <a:off x="3263733" y="1697573"/>
+            <a:ext cx="1425039" cy="400110"/>
+          </a:xfrm>
+          <a:prstGeom prst="rect">
+            <a:avLst/>
+          </a:prstGeom>
+          <a:noFill/>
+        </p:spPr>
+        <p:txBody>
+          <a:bodyPr wrap="square" rtlCol="0">
+            <a:spAutoFit/>
+          </a:bodyPr>
+          <a:lstStyle/>
+          <a:p>
+            <a:r>
+              <a:rPr lang="zh-CN" altLang="en-US" sz="2000" dirty="0" smtClean="0">
+                <a:latin typeface="微软雅黑" pitchFamily="34" charset="-122"/>
+                <a:ea typeface="微软雅黑" pitchFamily="34" charset="-122"/>
+              </a:rPr>
+              <a:t>天人合一</a:t>
+            </a:r>
+            <a:endParaRPr lang="zh-CN" altLang="en-US" sz="2000" dirty="0">
+              <a:latin typeface="微软雅黑" pitchFamily="34" charset="-122"/>
+              <a:ea typeface="微软雅黑" pitchFamily="34" charset="-122"/>
+            </a:endParaRPr>
+          </a:p>
+        </p:txBody>
+      </p:sp>
+      <p:sp>
+        <p:nvSpPr>
+          <p:cNvPr id="17" name="TextBox 16"/>
+          <p:cNvSpPr txBox="1"/>
+          <p:nvPr/>
+        </p:nvSpPr>
+        <p:spPr>
+          <a:xfrm>
+            <a:off x="3263733" y="2239098"/>
+            <a:ext cx="1425039" cy="400110"/>
+          </a:xfrm>
+          <a:prstGeom prst="rect">
+            <a:avLst/>
+          </a:prstGeom>
+          <a:noFill/>
+        </p:spPr>
+        <p:txBody>
+          <a:bodyPr wrap="square" rtlCol="0">
+            <a:spAutoFit/>
+          </a:bodyPr>
+          <a:lstStyle/>
+          <a:p>
+            <a:r>
+              <a:rPr lang="zh-CN" altLang="en-US" sz="2000" dirty="0" smtClean="0">
+                <a:latin typeface="微软雅黑" pitchFamily="34" charset="-122"/>
+                <a:ea typeface="微软雅黑" pitchFamily="34" charset="-122"/>
+              </a:rPr>
+              <a:t>相伴相生</a:t>
+            </a:r>
+            <a:endParaRPr lang="zh-CN" altLang="en-US" sz="2000" dirty="0">
+              <a:latin typeface="微软雅黑" pitchFamily="34" charset="-122"/>
+              <a:ea typeface="微软雅黑" pitchFamily="34" charset="-122"/>
+            </a:endParaRPr>
+          </a:p>
+        </p:txBody>
+      </p:sp>
+      <p:cxnSp>
+        <p:nvCxnSpPr>
+          <p:cNvPr id="25" name="直接连接符 24"/>
+          <p:cNvCxnSpPr>
+            <a:stCxn id="16" idx="1"/>
+          </p:cNvCxnSpPr>
+          <p:nvPr/>
+        </p:nvCxnSpPr>
+        <p:spPr>
+          <a:xfrm rot="10800000">
+            <a:off x="2361211" y="1888178"/>
+            <a:ext cx="902523" cy="9451"/>
+          </a:xfrm>
+          <a:prstGeom prst="line">
+            <a:avLst/>
+          </a:prstGeom>
+          <a:ln>
+            <a:solidFill>
+              <a:schemeClr val="tx1"/>
+            </a:solidFill>
+          </a:ln>
+        </p:spPr>
+        <p:style>
+          <a:lnRef idx="3">
+            <a:schemeClr val="dk1"/>
+          </a:lnRef>
+          <a:fillRef idx="0">
+            <a:schemeClr val="dk1"/>
+          </a:fillRef>
+          <a:effectRef idx="2">
+            <a:schemeClr val="dk1"/>
+          </a:effectRef>
+          <a:fontRef idx="minor">
+            <a:schemeClr val="tx1"/>
+          </a:fontRef>
+        </p:style>
+      </p:cxnSp>
+      <p:cxnSp>
+        <p:nvCxnSpPr>
+          <p:cNvPr id="27" name="直接连接符 26"/>
+          <p:cNvCxnSpPr>
+            <a:stCxn id="15" idx="1"/>
+          </p:cNvCxnSpPr>
+          <p:nvPr/>
+        </p:nvCxnSpPr>
+        <p:spPr>
+          <a:xfrm rot="10800000" flipV="1">
+            <a:off x="2349333" y="1387587"/>
+            <a:ext cx="914400" cy="405585"/>
+          </a:xfrm>
+          <a:prstGeom prst="line">
+            <a:avLst/>
+          </a:prstGeom>
+          <a:ln>
+            <a:solidFill>
+              <a:schemeClr val="tx1"/>
+            </a:solidFill>
+          </a:ln>
+        </p:spPr>
+        <p:style>
+          <a:lnRef idx="3">
+            <a:schemeClr val="dk1"/>
+          </a:lnRef>
+          <a:fillRef idx="0">
+            <a:schemeClr val="dk1"/>
+          </a:fillRef>
+          <a:effectRef idx="2">
+            <a:schemeClr val="dk1"/>
+          </a:effectRef>
+          <a:fontRef idx="minor">
+            <a:schemeClr val="tx1"/>
+          </a:fontRef>
+        </p:style>
+      </p:cxnSp>
+      <p:cxnSp>
+        <p:nvCxnSpPr>
+          <p:cNvPr id="30" name="直接连接符 29"/>
+          <p:cNvCxnSpPr>
+            <a:endCxn id="17" idx="1"/>
+          </p:cNvCxnSpPr>
+          <p:nvPr/>
+        </p:nvCxnSpPr>
+        <p:spPr>
+          <a:xfrm>
+            <a:off x="2373084" y="1983179"/>
+            <a:ext cx="890649" cy="455974"/>
+          </a:xfrm>
+          <a:prstGeom prst="line">
+            <a:avLst/>
+          </a:prstGeom>
+          <a:ln>
+            <a:solidFill>
+              <a:schemeClr val="tx1"/>
+            </a:solidFill>
+          </a:ln>
+        </p:spPr>
+        <p:style>
+          <a:lnRef idx="3">
+            <a:schemeClr val="dk1"/>
+          </a:lnRef>
+          <a:fillRef idx="0">
+            <a:schemeClr val="dk1"/>
+          </a:fillRef>
+          <a:effectRef idx="2">
+            <a:schemeClr val="dk1"/>
+          </a:effectRef>
+          <a:fontRef idx="minor">
+            <a:schemeClr val="tx1"/>
+          </a:fontRef>
+        </p:style>
+      </p:cxnSp>
+      <p:sp>
+        <p:nvSpPr>
+          <p:cNvPr id="38" name="TextBox 37"/>
+          <p:cNvSpPr txBox="1"/>
+          <p:nvPr/>
+        </p:nvSpPr>
+        <p:spPr>
+          <a:xfrm>
+            <a:off x="461159" y="3714401"/>
+            <a:ext cx="2493818" cy="400110"/>
+          </a:xfrm>
+          <a:prstGeom prst="rect">
+            <a:avLst/>
+          </a:prstGeom>
+          <a:noFill/>
+        </p:spPr>
+        <p:txBody>
+          <a:bodyPr wrap="square" rtlCol="0">
+            <a:spAutoFit/>
+          </a:bodyPr>
+          <a:lstStyle/>
+          <a:p>
+            <a:r>
+              <a:rPr lang="zh-CN" altLang="en-US" sz="2000" dirty="0" smtClean="0">
+                <a:latin typeface="微软雅黑" pitchFamily="34" charset="-122"/>
+                <a:ea typeface="微软雅黑" pitchFamily="34" charset="-122"/>
+              </a:rPr>
+              <a:t>包豪斯</a:t>
+            </a:r>
+            <a:r>
+              <a:rPr lang="zh-CN" altLang="en-US" sz="2000" dirty="0" smtClean="0">
+                <a:latin typeface="微软雅黑" pitchFamily="34" charset="-122"/>
+                <a:ea typeface="微软雅黑" pitchFamily="34" charset="-122"/>
+              </a:rPr>
+              <a:t>哲学</a:t>
+            </a:r>
+            <a:endParaRPr lang="zh-CN" altLang="en-US" sz="2000" dirty="0">
+              <a:latin typeface="微软雅黑" pitchFamily="34" charset="-122"/>
+              <a:ea typeface="微软雅黑" pitchFamily="34" charset="-122"/>
+            </a:endParaRPr>
+          </a:p>
+        </p:txBody>
+      </p:sp>
+      <p:sp>
+        <p:nvSpPr>
+          <p:cNvPr id="39" name="TextBox 38"/>
+          <p:cNvSpPr txBox="1"/>
+          <p:nvPr/>
+        </p:nvSpPr>
+        <p:spPr>
+          <a:xfrm>
+            <a:off x="3287485" y="3228111"/>
+            <a:ext cx="3240602" cy="400110"/>
+          </a:xfrm>
+          <a:prstGeom prst="rect">
+            <a:avLst/>
+          </a:prstGeom>
+          <a:noFill/>
+        </p:spPr>
+        <p:txBody>
+          <a:bodyPr wrap="square" rtlCol="0">
+            <a:spAutoFit/>
+          </a:bodyPr>
+          <a:lstStyle/>
+          <a:p>
+            <a:r>
+              <a:rPr lang="zh-CN" altLang="en-US" sz="2000" dirty="0" smtClean="0">
+                <a:latin typeface="微软雅黑" pitchFamily="34" charset="-122"/>
+                <a:ea typeface="微软雅黑" pitchFamily="34" charset="-122"/>
+              </a:rPr>
+              <a:t>艺术与技术的和谐统一</a:t>
+            </a:r>
+            <a:endParaRPr lang="zh-CN" altLang="en-US" sz="2000" dirty="0">
+              <a:latin typeface="微软雅黑" pitchFamily="34" charset="-122"/>
+              <a:ea typeface="微软雅黑" pitchFamily="34" charset="-122"/>
+            </a:endParaRPr>
+          </a:p>
+        </p:txBody>
+      </p:sp>
+      <p:sp>
+        <p:nvSpPr>
+          <p:cNvPr id="40" name="TextBox 39"/>
+          <p:cNvSpPr txBox="1"/>
+          <p:nvPr/>
+        </p:nvSpPr>
+        <p:spPr>
+          <a:xfrm>
+            <a:off x="3287485" y="3738151"/>
+            <a:ext cx="3576452" cy="400110"/>
+          </a:xfrm>
+          <a:prstGeom prst="rect">
+            <a:avLst/>
+          </a:prstGeom>
+          <a:noFill/>
+        </p:spPr>
+        <p:txBody>
+          <a:bodyPr wrap="square" rtlCol="0">
+            <a:spAutoFit/>
+          </a:bodyPr>
+          <a:lstStyle/>
+          <a:p>
+            <a:r>
+              <a:rPr lang="zh-CN" altLang="en-US" sz="2000" dirty="0" smtClean="0">
+                <a:latin typeface="微软雅黑" pitchFamily="34" charset="-122"/>
+                <a:ea typeface="微软雅黑" pitchFamily="34" charset="-122"/>
+              </a:rPr>
+              <a:t>设计的目的是为“人”</a:t>
+            </a:r>
+            <a:endParaRPr lang="zh-CN" altLang="en-US" sz="2000" dirty="0">
+              <a:latin typeface="微软雅黑" pitchFamily="34" charset="-122"/>
+              <a:ea typeface="微软雅黑" pitchFamily="34" charset="-122"/>
+            </a:endParaRPr>
+          </a:p>
+        </p:txBody>
+      </p:sp>
+      <p:sp>
+        <p:nvSpPr>
+          <p:cNvPr id="41" name="TextBox 40"/>
+          <p:cNvSpPr txBox="1"/>
+          <p:nvPr/>
+        </p:nvSpPr>
+        <p:spPr>
+          <a:xfrm>
+            <a:off x="3287485" y="4279676"/>
+            <a:ext cx="2626426" cy="400110"/>
+          </a:xfrm>
+          <a:prstGeom prst="rect">
+            <a:avLst/>
+          </a:prstGeom>
+          <a:noFill/>
+        </p:spPr>
+        <p:txBody>
+          <a:bodyPr wrap="square" rtlCol="0">
+            <a:spAutoFit/>
+          </a:bodyPr>
+          <a:lstStyle/>
+          <a:p>
+            <a:r>
+              <a:rPr lang="zh-CN" altLang="en-US" sz="2000" dirty="0" smtClean="0">
+                <a:latin typeface="微软雅黑" pitchFamily="34" charset="-122"/>
+                <a:ea typeface="微软雅黑" pitchFamily="34" charset="-122"/>
+              </a:rPr>
+              <a:t>自然与客观的原则。</a:t>
+            </a:r>
+            <a:endParaRPr lang="zh-CN" altLang="en-US" sz="2000" dirty="0">
+              <a:latin typeface="微软雅黑" pitchFamily="34" charset="-122"/>
+              <a:ea typeface="微软雅黑" pitchFamily="34" charset="-122"/>
+            </a:endParaRPr>
+          </a:p>
+        </p:txBody>
+      </p:sp>
+      <p:cxnSp>
+        <p:nvCxnSpPr>
+          <p:cNvPr id="42" name="直接连接符 41"/>
+          <p:cNvCxnSpPr>
+            <a:stCxn id="40" idx="1"/>
+          </p:cNvCxnSpPr>
+          <p:nvPr/>
+        </p:nvCxnSpPr>
+        <p:spPr>
+          <a:xfrm rot="10800000">
+            <a:off x="2384971" y="3928762"/>
+            <a:ext cx="902515" cy="9445"/>
+          </a:xfrm>
+          <a:prstGeom prst="line">
+            <a:avLst/>
+          </a:prstGeom>
+          <a:ln>
+            <a:solidFill>
+              <a:schemeClr val="tx1"/>
+            </a:solidFill>
+          </a:ln>
+        </p:spPr>
+        <p:style>
+          <a:lnRef idx="3">
+            <a:schemeClr val="dk1"/>
+          </a:lnRef>
+          <a:fillRef idx="0">
+            <a:schemeClr val="dk1"/>
+          </a:fillRef>
+          <a:effectRef idx="2">
+            <a:schemeClr val="dk1"/>
+          </a:effectRef>
+          <a:fontRef idx="minor">
+            <a:schemeClr val="tx1"/>
+          </a:fontRef>
+        </p:style>
+      </p:cxnSp>
+      <p:cxnSp>
+        <p:nvCxnSpPr>
+          <p:cNvPr id="43" name="直接连接符 42"/>
+          <p:cNvCxnSpPr>
+            <a:stCxn id="39" idx="1"/>
+          </p:cNvCxnSpPr>
+          <p:nvPr/>
+        </p:nvCxnSpPr>
+        <p:spPr>
+          <a:xfrm rot="10800000" flipV="1">
+            <a:off x="2373085" y="3428166"/>
+            <a:ext cx="914400" cy="405582"/>
+          </a:xfrm>
+          <a:prstGeom prst="line">
+            <a:avLst/>
+          </a:prstGeom>
+          <a:ln>
+            <a:solidFill>
+              <a:schemeClr val="tx1"/>
+            </a:solidFill>
+          </a:ln>
+        </p:spPr>
+        <p:style>
+          <a:lnRef idx="3">
+            <a:schemeClr val="dk1"/>
+          </a:lnRef>
+          <a:fillRef idx="0">
+            <a:schemeClr val="dk1"/>
+          </a:fillRef>
+          <a:effectRef idx="2">
+            <a:schemeClr val="dk1"/>
+          </a:effectRef>
+          <a:fontRef idx="minor">
+            <a:schemeClr val="tx1"/>
+          </a:fontRef>
+        </p:style>
+      </p:cxnSp>
+      <p:cxnSp>
+        <p:nvCxnSpPr>
+          <p:cNvPr id="44" name="直接连接符 43"/>
+          <p:cNvCxnSpPr>
+            <a:endCxn id="41" idx="1"/>
+          </p:cNvCxnSpPr>
+          <p:nvPr/>
+        </p:nvCxnSpPr>
+        <p:spPr>
+          <a:xfrm>
+            <a:off x="2396836" y="4023757"/>
+            <a:ext cx="890649" cy="455974"/>
+          </a:xfrm>
+          <a:prstGeom prst="line">
+            <a:avLst/>
+          </a:prstGeom>
+          <a:ln>
+            <a:solidFill>
+              <a:schemeClr val="tx1"/>
+            </a:solidFill>
+          </a:ln>
+        </p:spPr>
+        <p:style>
+          <a:lnRef idx="3">
+            <a:schemeClr val="dk1"/>
+          </a:lnRef>
+          <a:fillRef idx="0">
+            <a:schemeClr val="dk1"/>
+          </a:fillRef>
+          <a:effectRef idx="2">
+            <a:schemeClr val="dk1"/>
+          </a:effectRef>
+          <a:fontRef idx="minor">
+            <a:schemeClr val="tx1"/>
+          </a:fontRef>
+        </p:style>
+      </p:cxnSp>
+      <p:sp>
+        <p:nvSpPr>
+          <p:cNvPr id="49" name="右箭头 48"/>
+          <p:cNvSpPr/>
+          <p:nvPr/>
+        </p:nvSpPr>
+        <p:spPr>
+          <a:xfrm>
+            <a:off x="5427022" y="1717443"/>
+            <a:ext cx="973777" cy="341469"/>
+          </a:xfrm>
+          <a:prstGeom prst="rightArrow">
+            <a:avLst/>
+          </a:prstGeom>
+          <a:ln>
+            <a:solidFill>
+              <a:schemeClr val="tx1"/>
+            </a:solidFill>
+          </a:ln>
+        </p:spPr>
+        <p:style>
+          <a:lnRef idx="2">
+            <a:schemeClr val="accent2"/>
+          </a:lnRef>
+          <a:fillRef idx="1">
+            <a:schemeClr val="lt1"/>
+          </a:fillRef>
+          <a:effectRef idx="0">
+            <a:schemeClr val="accent2"/>
+          </a:effectRef>
+          <a:fontRef idx="minor">
+            <a:schemeClr val="dk1"/>
+          </a:fontRef>
+        </p:style>
+        <p:txBody>
+          <a:bodyPr rtlCol="0" anchor="ctr"/>
+          <a:lstStyle/>
+          <a:p>
+            <a:pPr algn="ctr"/>
+            <a:endParaRPr lang="zh-CN" altLang="en-US">
+              <a:ln w="18415" cmpd="sng">
+                <a:solidFill>
+                  <a:srgbClr val="FFFFFF"/>
+                </a:solidFill>
+                <a:prstDash val="solid"/>
+              </a:ln>
+              <a:solidFill>
+                <a:srgbClr val="FFFFFF"/>
+              </a:solidFill>
+              <a:effectLst>
+                <a:outerShdw blurRad="63500" dir="3600000" algn="tl" rotWithShape="0">
+                  <a:srgbClr val="000000">
+                    <a:alpha val="70000"/>
+                  </a:srgbClr>
+                </a:outerShdw>
+              </a:effectLst>
+            </a:endParaRPr>
+          </a:p>
+        </p:txBody>
+      </p:sp>
+      <p:sp>
+        <p:nvSpPr>
+          <p:cNvPr id="57" name="TextBox 56"/>
+          <p:cNvSpPr txBox="1"/>
+          <p:nvPr/>
+        </p:nvSpPr>
+        <p:spPr>
+          <a:xfrm>
+            <a:off x="6863937" y="1543687"/>
+            <a:ext cx="1425039" cy="707886"/>
+          </a:xfrm>
+          <a:prstGeom prst="rect">
+            <a:avLst/>
+          </a:prstGeom>
+          <a:noFill/>
+        </p:spPr>
+        <p:txBody>
+          <a:bodyPr wrap="square" rtlCol="0">
+            <a:spAutoFit/>
+          </a:bodyPr>
+          <a:lstStyle/>
+          <a:p>
+            <a:r>
+              <a:rPr lang="zh-CN" altLang="en-US" sz="2000" dirty="0" smtClean="0">
                 <a:solidFill>
                   <a:srgbClr val="FF0000"/>
                 </a:solidFill>
-                <a:latin typeface="微软雅黑" panose="020B0503020204020204" pitchFamily="34" charset="-122"/>
-                <a:ea typeface="微软雅黑" panose="020B0503020204020204" pitchFamily="34" charset="-122"/>
+                <a:latin typeface="微软雅黑" pitchFamily="34" charset="-122"/>
+                <a:ea typeface="微软雅黑" pitchFamily="34" charset="-122"/>
               </a:rPr>
-              <a:t>以小见大</a:t>
-            </a:r>
-            <a:r>
-              <a:rPr lang="zh-CN" altLang="zh-CN" sz="1700" dirty="0" smtClean="0">
-                <a:latin typeface="微软雅黑" panose="020B0503020204020204" pitchFamily="34" charset="-122"/>
-                <a:ea typeface="微软雅黑" panose="020B0503020204020204" pitchFamily="34" charset="-122"/>
-              </a:rPr>
-              <a:t>：对比拉姆斯的“少却更好”和密斯凡德罗的“少即是多”。前者更加重视细节的设计哲学，透过产品来展示简约设计的魅力，其目的是式设计尽可能的少的干扰到产品的使用过程，使使用更高效、自然、流畅，凸显美的功能价值。小并非无，而是将简约的设计形式集中表达在产品的功能部位，通过几何造型，在外观上取舍，运用现代工业技术和材料，展现产品的精密度；而后者是求风格上的绝对单纯，以此为目的的设计甚至会缺乏考虑功能要素</a:t>
-            </a:r>
-            <a:r>
-              <a:rPr lang="zh-CN" altLang="zh-CN" sz="1700" dirty="0" smtClean="0">
-                <a:latin typeface="微软雅黑" panose="020B0503020204020204" pitchFamily="34" charset="-122"/>
-                <a:ea typeface="微软雅黑" panose="020B0503020204020204" pitchFamily="34" charset="-122"/>
-              </a:rPr>
-              <a:t>。</a:t>
-            </a:r>
-            <a:endParaRPr lang="en-US" altLang="zh-CN" sz="1700" dirty="0" smtClean="0">
-              <a:latin typeface="微软雅黑" panose="020B0503020204020204" pitchFamily="34" charset="-122"/>
-              <a:ea typeface="微软雅黑" panose="020B0503020204020204" pitchFamily="34" charset="-122"/>
+              <a:t>“心”</a:t>
+            </a:r>
+            <a:endParaRPr lang="en-US" altLang="zh-CN" sz="2000" dirty="0" smtClean="0">
+              <a:solidFill>
+                <a:srgbClr val="FF0000"/>
+              </a:solidFill>
+              <a:latin typeface="微软雅黑" pitchFamily="34" charset="-122"/>
+              <a:ea typeface="微软雅黑" pitchFamily="34" charset="-122"/>
             </a:endParaRPr>
           </a:p>
           <a:p>
-            <a:endParaRPr lang="zh-CN" altLang="zh-CN" sz="1700" dirty="0" smtClean="0">
-              <a:latin typeface="微软雅黑" panose="020B0503020204020204" pitchFamily="34" charset="-122"/>
-              <a:ea typeface="微软雅黑" panose="020B0503020204020204" pitchFamily="34" charset="-122"/>
-            </a:endParaRPr>
-          </a:p>
-          <a:p>
-            <a:r>
-              <a:rPr lang="zh-CN" altLang="zh-CN" sz="1700" dirty="0" smtClean="0">
+            <a:r>
+              <a:rPr lang="zh-CN" altLang="en-US" sz="2000" dirty="0" smtClean="0">
                 <a:solidFill>
                   <a:srgbClr val="FF0000"/>
                 </a:solidFill>
-                <a:latin typeface="微软雅黑" panose="020B0503020204020204" pitchFamily="34" charset="-122"/>
-                <a:ea typeface="微软雅黑" panose="020B0503020204020204" pitchFamily="34" charset="-122"/>
+                <a:latin typeface="微软雅黑" pitchFamily="34" charset="-122"/>
+                <a:ea typeface="微软雅黑" pitchFamily="34" charset="-122"/>
               </a:rPr>
-              <a:t>整体观</a:t>
-            </a:r>
-            <a:r>
-              <a:rPr lang="zh-CN" altLang="zh-CN" sz="1700" dirty="0" smtClean="0">
-                <a:latin typeface="微软雅黑" panose="020B0503020204020204" pitchFamily="34" charset="-122"/>
-                <a:ea typeface="微软雅黑" panose="020B0503020204020204" pitchFamily="34" charset="-122"/>
+              <a:t>唯心主义</a:t>
+            </a:r>
+            <a:endParaRPr lang="zh-CN" altLang="en-US" sz="2000" dirty="0">
+              <a:solidFill>
+                <a:srgbClr val="FF0000"/>
+              </a:solidFill>
+              <a:latin typeface="微软雅黑" pitchFamily="34" charset="-122"/>
+              <a:ea typeface="微软雅黑" pitchFamily="34" charset="-122"/>
+            </a:endParaRPr>
+          </a:p>
+        </p:txBody>
+      </p:sp>
+      <p:sp>
+        <p:nvSpPr>
+          <p:cNvPr id="58" name="右箭头 57"/>
+          <p:cNvSpPr/>
+          <p:nvPr/>
+        </p:nvSpPr>
+        <p:spPr>
+          <a:xfrm>
+            <a:off x="6112451" y="3745546"/>
+            <a:ext cx="973777" cy="341469"/>
+          </a:xfrm>
+          <a:prstGeom prst="rightArrow">
+            <a:avLst/>
+          </a:prstGeom>
+          <a:ln>
+            <a:solidFill>
+              <a:schemeClr val="tx1"/>
+            </a:solidFill>
+          </a:ln>
+        </p:spPr>
+        <p:style>
+          <a:lnRef idx="2">
+            <a:schemeClr val="accent2"/>
+          </a:lnRef>
+          <a:fillRef idx="1">
+            <a:schemeClr val="lt1"/>
+          </a:fillRef>
+          <a:effectRef idx="0">
+            <a:schemeClr val="accent2"/>
+          </a:effectRef>
+          <a:fontRef idx="minor">
+            <a:schemeClr val="dk1"/>
+          </a:fontRef>
+        </p:style>
+        <p:txBody>
+          <a:bodyPr rtlCol="0" anchor="ctr"/>
+          <a:lstStyle/>
+          <a:p>
+            <a:pPr algn="ctr"/>
+            <a:endParaRPr lang="zh-CN" altLang="en-US">
+              <a:ln w="18415" cmpd="sng">
+                <a:solidFill>
+                  <a:srgbClr val="FFFFFF"/>
+                </a:solidFill>
+                <a:prstDash val="solid"/>
+              </a:ln>
+              <a:solidFill>
+                <a:srgbClr val="FFFFFF"/>
+              </a:solidFill>
+              <a:effectLst>
+                <a:outerShdw blurRad="63500" dir="3600000" algn="tl" rotWithShape="0">
+                  <a:srgbClr val="000000">
+                    <a:alpha val="70000"/>
+                  </a:srgbClr>
+                </a:outerShdw>
+              </a:effectLst>
+            </a:endParaRPr>
+          </a:p>
+        </p:txBody>
+      </p:sp>
+      <p:sp>
+        <p:nvSpPr>
+          <p:cNvPr id="59" name="TextBox 58"/>
+          <p:cNvSpPr txBox="1"/>
+          <p:nvPr/>
+        </p:nvSpPr>
+        <p:spPr>
+          <a:xfrm>
+            <a:off x="7350826" y="3571790"/>
+            <a:ext cx="1425039" cy="707886"/>
+          </a:xfrm>
+          <a:prstGeom prst="rect">
+            <a:avLst/>
+          </a:prstGeom>
+          <a:noFill/>
+        </p:spPr>
+        <p:txBody>
+          <a:bodyPr wrap="square" rtlCol="0">
+            <a:spAutoFit/>
+          </a:bodyPr>
+          <a:lstStyle/>
+          <a:p>
+            <a:r>
+              <a:rPr lang="zh-CN" altLang="en-US" sz="2000" dirty="0" smtClean="0">
+                <a:solidFill>
+                  <a:srgbClr val="FF0000"/>
+                </a:solidFill>
+                <a:latin typeface="微软雅黑" pitchFamily="34" charset="-122"/>
+                <a:ea typeface="微软雅黑" pitchFamily="34" charset="-122"/>
               </a:rPr>
-              <a:t>：上节课我们归纳了中国古代设计哲学之整体观的思想,它集中表现为“天人合一”、“天人和谐”等。讲究从整体入手，而对细节不慎追求，忽视了细节在设计中的重要</a:t>
-            </a:r>
-            <a:r>
-              <a:rPr lang="zh-CN" altLang="en-US" sz="1700" dirty="0" smtClean="0">
-                <a:latin typeface="微软雅黑" panose="020B0503020204020204" pitchFamily="34" charset="-122"/>
-                <a:ea typeface="微软雅黑" panose="020B0503020204020204" pitchFamily="34" charset="-122"/>
+              <a:t>“</a:t>
+            </a:r>
+            <a:r>
+              <a:rPr lang="zh-CN" altLang="en-US" sz="2000" dirty="0" smtClean="0">
+                <a:solidFill>
+                  <a:srgbClr val="FF0000"/>
+                </a:solidFill>
+                <a:latin typeface="微软雅黑" pitchFamily="34" charset="-122"/>
+                <a:ea typeface="微软雅黑" pitchFamily="34" charset="-122"/>
               </a:rPr>
-              <a:t>作用</a:t>
-            </a:r>
-            <a:r>
-              <a:rPr lang="zh-CN" altLang="zh-CN" sz="1700" dirty="0" smtClean="0">
-                <a:latin typeface="微软雅黑" panose="020B0503020204020204" pitchFamily="34" charset="-122"/>
-                <a:ea typeface="微软雅黑" panose="020B0503020204020204" pitchFamily="34" charset="-122"/>
+              <a:t>物</a:t>
+            </a:r>
+            <a:r>
+              <a:rPr lang="zh-CN" altLang="en-US" sz="2000" dirty="0" smtClean="0">
+                <a:solidFill>
+                  <a:srgbClr val="FF0000"/>
+                </a:solidFill>
+                <a:latin typeface="微软雅黑" pitchFamily="34" charset="-122"/>
+                <a:ea typeface="微软雅黑" pitchFamily="34" charset="-122"/>
               </a:rPr>
-              <a:t>。这种有机整体观的指导,中国古代艺术家、工匠们创造了辉煌的艺术与设计。这种思想指导中国古代家具设计、建筑设计、园林设计等等。</a:t>
-            </a:r>
-            <a:endParaRPr lang="zh-CN" altLang="zh-CN" sz="1700" dirty="0">
-              <a:latin typeface="微软雅黑" panose="020B0503020204020204" pitchFamily="34" charset="-122"/>
-              <a:ea typeface="微软雅黑" panose="020B0503020204020204" pitchFamily="34" charset="-122"/>
+              <a:t>”</a:t>
+            </a:r>
+            <a:endParaRPr lang="en-US" altLang="zh-CN" sz="2000" dirty="0" smtClean="0">
+              <a:solidFill>
+                <a:srgbClr val="FF0000"/>
+              </a:solidFill>
+              <a:latin typeface="微软雅黑" pitchFamily="34" charset="-122"/>
+              <a:ea typeface="微软雅黑" pitchFamily="34" charset="-122"/>
+            </a:endParaRPr>
+          </a:p>
+          <a:p>
+            <a:r>
+              <a:rPr lang="zh-CN" altLang="en-US" sz="2000" dirty="0" smtClean="0">
+                <a:solidFill>
+                  <a:srgbClr val="FF0000"/>
+                </a:solidFill>
+                <a:latin typeface="微软雅黑" pitchFamily="34" charset="-122"/>
+                <a:ea typeface="微软雅黑" pitchFamily="34" charset="-122"/>
+              </a:rPr>
+              <a:t>唯物主义</a:t>
+            </a:r>
+            <a:endParaRPr lang="zh-CN" altLang="en-US" sz="2000" dirty="0">
+              <a:solidFill>
+                <a:srgbClr val="FF0000"/>
+              </a:solidFill>
+              <a:latin typeface="微软雅黑" pitchFamily="34" charset="-122"/>
+              <a:ea typeface="微软雅黑" pitchFamily="34" charset="-122"/>
             </a:endParaRPr>
           </a:p>
         </p:txBody>
@@ -17447,7 +18268,7 @@
     </p:spTree>
     <p:extLst>
       <p:ext uri="{BB962C8B-B14F-4D97-AF65-F5344CB8AC3E}">
-        <p14:creationId xmlns:p14="http://schemas.microsoft.com/office/powerpoint/2010/main" val="143603595"/>
+        <p14:creationId xmlns:p14="http://schemas.microsoft.com/office/powerpoint/2010/main" xmlns="" val="143603595"/>
       </p:ext>
     </p:extLst>
   </p:cSld>
